--- a/source/lessons/lsn22-23/Lsn22-23.pptx
+++ b/source/lessons/lsn22-23/Lsn22-23.pptx
@@ -1361,7 +1361,7 @@
           <a:p>
             <a:fld id="{834513E8-165F-4932-9E2D-FD497CB9A4FD}" type="datetimeFigureOut">
               <a:rPr lang="en-US" smtClean="0"/>
-              <a:t>6/5/2018</a:t>
+              <a:t>7/9/2018</a:t>
             </a:fld>
             <a:endParaRPr lang="en-US"/>
           </a:p>
@@ -1638,7 +1638,7 @@
           <a:p>
             <a:fld id="{834513E8-165F-4932-9E2D-FD497CB9A4FD}" type="datetimeFigureOut">
               <a:rPr lang="en-US" smtClean="0"/>
-              <a:t>6/5/2018</a:t>
+              <a:t>7/9/2018</a:t>
             </a:fld>
             <a:endParaRPr lang="en-US"/>
           </a:p>
@@ -1891,7 +1891,7 @@
           <a:p>
             <a:fld id="{834513E8-165F-4932-9E2D-FD497CB9A4FD}" type="datetimeFigureOut">
               <a:rPr lang="en-US" smtClean="0"/>
-              <a:t>6/5/2018</a:t>
+              <a:t>7/9/2018</a:t>
             </a:fld>
             <a:endParaRPr lang="en-US"/>
           </a:p>
@@ -2061,7 +2061,7 @@
           <a:p>
             <a:fld id="{834513E8-165F-4932-9E2D-FD497CB9A4FD}" type="datetimeFigureOut">
               <a:rPr lang="en-US" smtClean="0"/>
-              <a:t>6/5/2018</a:t>
+              <a:t>7/9/2018</a:t>
             </a:fld>
             <a:endParaRPr lang="en-US"/>
           </a:p>
@@ -2241,7 +2241,7 @@
           <a:p>
             <a:fld id="{834513E8-165F-4932-9E2D-FD497CB9A4FD}" type="datetimeFigureOut">
               <a:rPr lang="en-US" smtClean="0"/>
-              <a:t>6/5/2018</a:t>
+              <a:t>7/9/2018</a:t>
             </a:fld>
             <a:endParaRPr lang="en-US"/>
           </a:p>
@@ -2985,7 +2985,7 @@
           <a:p>
             <a:fld id="{834513E8-165F-4932-9E2D-FD497CB9A4FD}" type="datetimeFigureOut">
               <a:rPr lang="en-US" smtClean="0"/>
-              <a:t>6/5/2018</a:t>
+              <a:t>7/9/2018</a:t>
             </a:fld>
             <a:endParaRPr lang="en-US"/>
           </a:p>
@@ -3155,7 +3155,7 @@
           <a:p>
             <a:fld id="{834513E8-165F-4932-9E2D-FD497CB9A4FD}" type="datetimeFigureOut">
               <a:rPr lang="en-US" smtClean="0"/>
-              <a:t>6/5/2018</a:t>
+              <a:t>7/9/2018</a:t>
             </a:fld>
             <a:endParaRPr lang="en-US"/>
           </a:p>
@@ -3401,7 +3401,7 @@
           <a:p>
             <a:fld id="{834513E8-165F-4932-9E2D-FD497CB9A4FD}" type="datetimeFigureOut">
               <a:rPr lang="en-US" smtClean="0"/>
-              <a:t>6/5/2018</a:t>
+              <a:t>7/9/2018</a:t>
             </a:fld>
             <a:endParaRPr lang="en-US"/>
           </a:p>
@@ -3633,7 +3633,7 @@
           <a:p>
             <a:fld id="{834513E8-165F-4932-9E2D-FD497CB9A4FD}" type="datetimeFigureOut">
               <a:rPr lang="en-US" smtClean="0"/>
-              <a:t>6/5/2018</a:t>
+              <a:t>7/9/2018</a:t>
             </a:fld>
             <a:endParaRPr lang="en-US"/>
           </a:p>
@@ -4000,7 +4000,7 @@
           <a:p>
             <a:fld id="{834513E8-165F-4932-9E2D-FD497CB9A4FD}" type="datetimeFigureOut">
               <a:rPr lang="en-US" smtClean="0"/>
-              <a:t>6/5/2018</a:t>
+              <a:t>7/9/2018</a:t>
             </a:fld>
             <a:endParaRPr lang="en-US"/>
           </a:p>
@@ -4118,7 +4118,7 @@
           <a:p>
             <a:fld id="{834513E8-165F-4932-9E2D-FD497CB9A4FD}" type="datetimeFigureOut">
               <a:rPr lang="en-US" smtClean="0"/>
-              <a:t>6/5/2018</a:t>
+              <a:t>7/9/2018</a:t>
             </a:fld>
             <a:endParaRPr lang="en-US"/>
           </a:p>
@@ -5934,7 +5934,7 @@
           <a:p>
             <a:fld id="{834513E8-165F-4932-9E2D-FD497CB9A4FD}" type="datetimeFigureOut">
               <a:rPr lang="en-US" smtClean="0"/>
-              <a:t>6/5/2018</a:t>
+              <a:t>7/9/2018</a:t>
             </a:fld>
             <a:endParaRPr lang="en-US"/>
           </a:p>
@@ -6569,14 +6569,7 @@
                 <a:effectLst/>
                 <a:latin typeface="Trebuchet MS" panose="020B0603020202020204" pitchFamily="34" charset="0"/>
               </a:rPr>
-              <a:t>Lesson </a:t>
-            </a:r>
-            <a:r>
-              <a:rPr lang="en-US" kern="0" dirty="0" smtClean="0">
-                <a:effectLst/>
-                <a:latin typeface="Trebuchet MS" panose="020B0603020202020204" pitchFamily="34" charset="0"/>
-              </a:rPr>
-              <a:t>22+23</a:t>
+              <a:t>Lesson 22+23</a:t>
             </a:r>
             <a:endParaRPr lang="en-US" kern="0" dirty="0">
               <a:effectLst/>
@@ -7187,6 +7180,41 @@
                 <a:latin typeface="Courier New" pitchFamily="49" charset="0"/>
                 <a:cs typeface="Courier New" pitchFamily="49" charset="0"/>
               </a:rPr>
+              <a:t>bob.high</a:t>
+            </a:r>
+            <a:r>
+              <a:rPr lang="en-US" dirty="0" smtClean="0">
+                <a:solidFill>
+                  <a:schemeClr val="accent2"/>
+                </a:solidFill>
+                <a:latin typeface="Courier New" pitchFamily="49" charset="0"/>
+                <a:cs typeface="Courier New" pitchFamily="49" charset="0"/>
+              </a:rPr>
+              <a:t>;  </a:t>
+            </a:r>
+            <a:r>
+              <a:rPr lang="en-US" dirty="0" smtClean="0">
+                <a:solidFill>
+                  <a:srgbClr val="00B050"/>
+                </a:solidFill>
+                <a:latin typeface="Courier New" pitchFamily="49" charset="0"/>
+                <a:cs typeface="Courier New" pitchFamily="49" charset="0"/>
+              </a:rPr>
+              <a:t>// this is: 88 </a:t>
+            </a:r>
+          </a:p>
+          <a:p>
+            <a:pPr marL="0" indent="0">
+              <a:buNone/>
+            </a:pPr>
+            <a:r>
+              <a:rPr lang="en-US" dirty="0" err="1" smtClean="0">
+                <a:solidFill>
+                  <a:schemeClr val="accent2"/>
+                </a:solidFill>
+                <a:latin typeface="Courier New" pitchFamily="49" charset="0"/>
+                <a:cs typeface="Courier New" pitchFamily="49" charset="0"/>
+              </a:rPr>
               <a:t>bob.low</a:t>
             </a:r>
             <a:r>
@@ -7197,7 +7225,7 @@
                 <a:latin typeface="Courier New" pitchFamily="49" charset="0"/>
                 <a:cs typeface="Courier New" pitchFamily="49" charset="0"/>
               </a:rPr>
-              <a:t>;  </a:t>
+              <a:t>;   </a:t>
             </a:r>
             <a:r>
               <a:rPr lang="en-US" dirty="0" smtClean="0">
@@ -7207,7 +7235,17 @@
                 <a:latin typeface="Courier New" pitchFamily="49" charset="0"/>
                 <a:cs typeface="Courier New" pitchFamily="49" charset="0"/>
               </a:rPr>
-              <a:t>// this is: 88 </a:t>
+              <a:t>// </a:t>
+            </a:r>
+            <a:r>
+              <a:rPr lang="en-US" dirty="0" smtClean="0">
+                <a:solidFill>
+                  <a:srgbClr val="00B050"/>
+                </a:solidFill>
+                <a:latin typeface="Courier New" pitchFamily="49" charset="0"/>
+                <a:cs typeface="Courier New" pitchFamily="49" charset="0"/>
+              </a:rPr>
+              <a:t>this is: 161</a:t>
             </a:r>
           </a:p>
           <a:p>
@@ -7215,6 +7253,16 @@
               <a:buNone/>
             </a:pPr>
             <a:r>
+              <a:rPr lang="en-US" dirty="0" err="1">
+                <a:solidFill>
+                  <a:schemeClr val="accent2"/>
+                </a:solidFill>
+                <a:latin typeface="Courier New" pitchFamily="49" charset="0"/>
+                <a:cs typeface="Courier New" pitchFamily="49" charset="0"/>
+              </a:rPr>
+              <a:t>b</a:t>
+            </a:r>
+            <a:r>
               <a:rPr lang="en-US" dirty="0" err="1" smtClean="0">
                 <a:solidFill>
                   <a:schemeClr val="accent2"/>
@@ -7222,7 +7270,7 @@
                 <a:latin typeface="Courier New" pitchFamily="49" charset="0"/>
                 <a:cs typeface="Courier New" pitchFamily="49" charset="0"/>
               </a:rPr>
-              <a:t>bob.high</a:t>
+              <a:t>ob.word</a:t>
             </a:r>
             <a:r>
               <a:rPr lang="en-US" dirty="0" smtClean="0">
@@ -7237,57 +7285,32 @@
             <a:r>
               <a:rPr lang="en-US" dirty="0" smtClean="0">
                 <a:solidFill>
+                  <a:schemeClr val="accent2"/>
+                </a:solidFill>
+                <a:latin typeface="Courier New" pitchFamily="49" charset="0"/>
+                <a:cs typeface="Courier New" pitchFamily="49" charset="0"/>
+              </a:rPr>
+              <a:t> </a:t>
+            </a:r>
+            <a:r>
+              <a:rPr lang="en-US" dirty="0" smtClean="0">
+                <a:solidFill>
                   <a:srgbClr val="00B050"/>
                 </a:solidFill>
                 <a:latin typeface="Courier New" pitchFamily="49" charset="0"/>
                 <a:cs typeface="Courier New" pitchFamily="49" charset="0"/>
               </a:rPr>
-              <a:t>// this is: 161</a:t>
-            </a:r>
-          </a:p>
-          <a:p>
-            <a:pPr marL="0" indent="0">
-              <a:buNone/>
-            </a:pPr>
-            <a:r>
-              <a:rPr lang="en-US" dirty="0" err="1">
-                <a:solidFill>
-                  <a:schemeClr val="accent2"/>
-                </a:solidFill>
-                <a:latin typeface="Courier New" pitchFamily="49" charset="0"/>
-                <a:cs typeface="Courier New" pitchFamily="49" charset="0"/>
-              </a:rPr>
-              <a:t>b</a:t>
-            </a:r>
-            <a:r>
-              <a:rPr lang="en-US" dirty="0" err="1" smtClean="0">
-                <a:solidFill>
-                  <a:schemeClr val="accent2"/>
-                </a:solidFill>
-                <a:latin typeface="Courier New" pitchFamily="49" charset="0"/>
-                <a:cs typeface="Courier New" pitchFamily="49" charset="0"/>
-              </a:rPr>
-              <a:t>ob.word</a:t>
+              <a:t>// </a:t>
             </a:r>
             <a:r>
               <a:rPr lang="en-US" dirty="0" smtClean="0">
                 <a:solidFill>
-                  <a:schemeClr val="accent2"/>
-                </a:solidFill>
-                <a:latin typeface="Courier New" pitchFamily="49" charset="0"/>
-                <a:cs typeface="Courier New" pitchFamily="49" charset="0"/>
-              </a:rPr>
-              <a:t>; </a:t>
-            </a:r>
-            <a:r>
-              <a:rPr lang="en-US" dirty="0" smtClean="0">
-                <a:solidFill>
                   <a:srgbClr val="00B050"/>
                 </a:solidFill>
                 <a:latin typeface="Courier New" pitchFamily="49" charset="0"/>
                 <a:cs typeface="Courier New" pitchFamily="49" charset="0"/>
               </a:rPr>
-              <a:t>// 22689</a:t>
+              <a:t>22689</a:t>
             </a:r>
             <a:endParaRPr lang="en-US" dirty="0">
               <a:solidFill>
@@ -7331,7 +7354,15 @@
           <a:p>
             <a:r>
               <a:rPr lang="en-US" dirty="0"/>
-              <a:t>Unions allow you to do cool things like byte word manipulation with having to do the underlying </a:t>
+              <a:t>Unions allow you to do cool things like byte word manipulation </a:t>
+            </a:r>
+            <a:r>
+              <a:rPr lang="en-US" dirty="0" smtClean="0"/>
+              <a:t>without </a:t>
+            </a:r>
+            <a:r>
+              <a:rPr lang="en-US" dirty="0"/>
+              <a:t>having to do the underlying </a:t>
             </a:r>
             <a:r>
               <a:rPr lang="en-US" dirty="0" smtClean="0"/>
@@ -7704,13 +7735,8 @@
             </a:r>
             <a:r>
               <a:rPr lang="en-US" sz="1400" dirty="0" smtClean="0"/>
-              <a:t>” from </a:t>
-            </a:r>
-            <a:r>
-              <a:rPr lang="en-US" sz="1400" dirty="0" smtClean="0"/>
-              <a:t>C++ or python. They allow you to group related data together and treat it as a variable</a:t>
-            </a:r>
-            <a:endParaRPr lang="en-US" sz="1400" dirty="0" smtClean="0"/>
+              <a:t>” from C++ or python. They allow you to group related data together and treat it as a variable</a:t>
+            </a:r>
           </a:p>
           <a:p>
             <a:pPr marL="0" indent="0">
@@ -10652,17 +10678,32 @@
                 <a:latin typeface="Courier New" pitchFamily="49" charset="0"/>
                 <a:cs typeface="Courier New" pitchFamily="49" charset="0"/>
               </a:rPr>
-              <a:t>nt16_t </a:t>
+              <a:t>nt16_t x = 0x1234, y = 0x5678; </a:t>
             </a:r>
             <a:r>
               <a:rPr lang="en-US" sz="1400" b="1" dirty="0" smtClean="0">
                 <a:solidFill>
-                  <a:schemeClr val="accent2"/>
-                </a:solidFill>
-                <a:latin typeface="Courier New" pitchFamily="49" charset="0"/>
-                <a:cs typeface="Courier New" pitchFamily="49" charset="0"/>
-              </a:rPr>
-              <a:t>x = 0x1234, </a:t>
+                  <a:srgbClr val="00B050"/>
+                </a:solidFill>
+                <a:latin typeface="Courier New" pitchFamily="49" charset="0"/>
+                <a:cs typeface="Courier New" pitchFamily="49" charset="0"/>
+              </a:rPr>
+              <a:t>//assume put at 0x200</a:t>
+            </a:r>
+          </a:p>
+          <a:p>
+            <a:pPr marL="0" indent="0">
+              <a:buNone/>
+            </a:pPr>
+            <a:r>
+              <a:rPr lang="en-US" sz="1400" dirty="0">
+                <a:solidFill>
+                  <a:schemeClr val="accent2"/>
+                </a:solidFill>
+                <a:latin typeface="Courier New" pitchFamily="49" charset="0"/>
+                <a:cs typeface="Courier New" pitchFamily="49" charset="0"/>
+              </a:rPr>
+              <a:t>i</a:t>
             </a:r>
             <a:r>
               <a:rPr lang="en-US" sz="1400" b="1" dirty="0" smtClean="0">
@@ -10672,7 +10713,17 @@
                 <a:latin typeface="Courier New" pitchFamily="49" charset="0"/>
                 <a:cs typeface="Courier New" pitchFamily="49" charset="0"/>
               </a:rPr>
-              <a:t>y = </a:t>
+              <a:t>nt16_t *</a:t>
+            </a:r>
+            <a:r>
+              <a:rPr lang="en-US" sz="1400" b="1" dirty="0" err="1" smtClean="0">
+                <a:solidFill>
+                  <a:schemeClr val="accent2"/>
+                </a:solidFill>
+                <a:latin typeface="Courier New" pitchFamily="49" charset="0"/>
+                <a:cs typeface="Courier New" pitchFamily="49" charset="0"/>
+              </a:rPr>
+              <a:t>xPtr</a:t>
             </a:r>
             <a:r>
               <a:rPr lang="en-US" sz="1400" b="1" dirty="0" smtClean="0">
@@ -10682,7 +10733,7 @@
                 <a:latin typeface="Courier New" pitchFamily="49" charset="0"/>
                 <a:cs typeface="Courier New" pitchFamily="49" charset="0"/>
               </a:rPr>
-              <a:t>0x5678; </a:t>
+              <a:t>;  </a:t>
             </a:r>
             <a:r>
               <a:rPr lang="en-US" sz="1400" b="1" dirty="0" smtClean="0">
@@ -10692,7 +10743,27 @@
                 <a:latin typeface="Courier New" pitchFamily="49" charset="0"/>
                 <a:cs typeface="Courier New" pitchFamily="49" charset="0"/>
               </a:rPr>
-              <a:t>//assume put at 0x200</a:t>
+              <a:t>// </a:t>
+            </a:r>
+            <a:r>
+              <a:rPr lang="en-US" sz="1400" b="1" dirty="0" err="1" smtClean="0">
+                <a:solidFill>
+                  <a:srgbClr val="00B050"/>
+                </a:solidFill>
+                <a:latin typeface="Courier New" pitchFamily="49" charset="0"/>
+                <a:cs typeface="Courier New" pitchFamily="49" charset="0"/>
+              </a:rPr>
+              <a:t>gcc</a:t>
+            </a:r>
+            <a:r>
+              <a:rPr lang="en-US" sz="1400" b="1" dirty="0" smtClean="0">
+                <a:solidFill>
+                  <a:srgbClr val="00B050"/>
+                </a:solidFill>
+                <a:latin typeface="Courier New" pitchFamily="49" charset="0"/>
+                <a:cs typeface="Courier New" pitchFamily="49" charset="0"/>
+              </a:rPr>
+              <a:t> typically initializes to 0 (NULL)</a:t>
             </a:r>
           </a:p>
           <a:p>
@@ -10717,109 +10788,7 @@
                 <a:latin typeface="Courier New" pitchFamily="49" charset="0"/>
                 <a:cs typeface="Courier New" pitchFamily="49" charset="0"/>
               </a:rPr>
-              <a:t>nt16_t </a:t>
-            </a:r>
-            <a:r>
-              <a:rPr lang="en-US" sz="1400" b="1" dirty="0" smtClean="0">
-                <a:solidFill>
-                  <a:schemeClr val="accent2"/>
-                </a:solidFill>
-                <a:latin typeface="Courier New" pitchFamily="49" charset="0"/>
-                <a:cs typeface="Courier New" pitchFamily="49" charset="0"/>
-              </a:rPr>
-              <a:t>*</a:t>
-            </a:r>
-            <a:r>
-              <a:rPr lang="en-US" sz="1400" b="1" dirty="0" err="1" smtClean="0">
-                <a:solidFill>
-                  <a:schemeClr val="accent2"/>
-                </a:solidFill>
-                <a:latin typeface="Courier New" pitchFamily="49" charset="0"/>
-                <a:cs typeface="Courier New" pitchFamily="49" charset="0"/>
-              </a:rPr>
-              <a:t>xPtr</a:t>
-            </a:r>
-            <a:r>
-              <a:rPr lang="en-US" sz="1400" b="1" dirty="0" smtClean="0">
-                <a:solidFill>
-                  <a:schemeClr val="accent2"/>
-                </a:solidFill>
-                <a:latin typeface="Courier New" pitchFamily="49" charset="0"/>
-                <a:cs typeface="Courier New" pitchFamily="49" charset="0"/>
-              </a:rPr>
-              <a:t>;  </a:t>
-            </a:r>
-            <a:r>
-              <a:rPr lang="en-US" sz="1400" b="1" dirty="0" smtClean="0">
-                <a:solidFill>
-                  <a:srgbClr val="00B050"/>
-                </a:solidFill>
-                <a:latin typeface="Courier New" pitchFamily="49" charset="0"/>
-                <a:cs typeface="Courier New" pitchFamily="49" charset="0"/>
-              </a:rPr>
-              <a:t>// </a:t>
-            </a:r>
-            <a:r>
-              <a:rPr lang="en-US" sz="1400" b="1" dirty="0" err="1" smtClean="0">
-                <a:solidFill>
-                  <a:srgbClr val="00B050"/>
-                </a:solidFill>
-                <a:latin typeface="Courier New" pitchFamily="49" charset="0"/>
-                <a:cs typeface="Courier New" pitchFamily="49" charset="0"/>
-              </a:rPr>
-              <a:t>gcc</a:t>
-            </a:r>
-            <a:r>
-              <a:rPr lang="en-US" sz="1400" b="1" dirty="0" smtClean="0">
-                <a:solidFill>
-                  <a:srgbClr val="00B050"/>
-                </a:solidFill>
-                <a:latin typeface="Courier New" pitchFamily="49" charset="0"/>
-                <a:cs typeface="Courier New" pitchFamily="49" charset="0"/>
-              </a:rPr>
-              <a:t> typically initializes to 0 (NULL)</a:t>
-            </a:r>
-            <a:endParaRPr lang="en-US" sz="1400" b="1" dirty="0" smtClean="0">
-              <a:solidFill>
-                <a:srgbClr val="00B050"/>
-              </a:solidFill>
-              <a:latin typeface="Courier New" pitchFamily="49" charset="0"/>
-              <a:cs typeface="Courier New" pitchFamily="49" charset="0"/>
-            </a:endParaRPr>
-          </a:p>
-          <a:p>
-            <a:pPr marL="0" indent="0">
-              <a:buNone/>
-            </a:pPr>
-            <a:r>
-              <a:rPr lang="en-US" sz="1400" dirty="0">
-                <a:solidFill>
-                  <a:schemeClr val="accent2"/>
-                </a:solidFill>
-                <a:latin typeface="Courier New" pitchFamily="49" charset="0"/>
-                <a:cs typeface="Courier New" pitchFamily="49" charset="0"/>
-              </a:rPr>
-              <a:t>i</a:t>
-            </a:r>
-            <a:r>
-              <a:rPr lang="en-US" sz="1400" b="1" dirty="0" smtClean="0">
-                <a:solidFill>
-                  <a:schemeClr val="accent2"/>
-                </a:solidFill>
-                <a:latin typeface="Courier New" pitchFamily="49" charset="0"/>
-                <a:cs typeface="Courier New" pitchFamily="49" charset="0"/>
-              </a:rPr>
-              <a:t>nt16_t </a:t>
-            </a:r>
-            <a:r>
-              <a:rPr lang="en-US" sz="1400" b="1" dirty="0" smtClean="0">
-                <a:solidFill>
-                  <a:schemeClr val="accent2"/>
-                </a:solidFill>
-                <a:latin typeface="Courier New" pitchFamily="49" charset="0"/>
-                <a:cs typeface="Courier New" pitchFamily="49" charset="0"/>
-              </a:rPr>
-              <a:t>*</a:t>
+              <a:t>nt16_t *</a:t>
             </a:r>
             <a:r>
               <a:rPr lang="en-US" sz="1400" b="1" dirty="0" err="1" smtClean="0">
@@ -14108,14 +14077,7 @@
                 <a:latin typeface="Courier New" pitchFamily="49" charset="0"/>
                 <a:cs typeface="Courier New" pitchFamily="49" charset="0"/>
               </a:rPr>
-              <a:t>Examples</a:t>
-            </a:r>
-            <a:r>
-              <a:rPr lang="en-US" sz="1400" b="1" dirty="0" smtClean="0">
-                <a:latin typeface="Courier New" pitchFamily="49" charset="0"/>
-                <a:cs typeface="Courier New" pitchFamily="49" charset="0"/>
-              </a:rPr>
-              <a:t>:</a:t>
+              <a:t>Examples:</a:t>
             </a:r>
           </a:p>
           <a:p>
@@ -14365,14 +14327,7 @@
                 <a:latin typeface="Courier New" pitchFamily="49" charset="0"/>
                 <a:cs typeface="Courier New" pitchFamily="49" charset="0"/>
               </a:rPr>
-              <a:t>Examples</a:t>
-            </a:r>
-            <a:r>
-              <a:rPr lang="en-US" sz="1400" b="1" dirty="0" smtClean="0">
-                <a:latin typeface="Courier New" pitchFamily="49" charset="0"/>
-                <a:cs typeface="Courier New" pitchFamily="49" charset="0"/>
-              </a:rPr>
-              <a:t>:</a:t>
+              <a:t>Examples:</a:t>
             </a:r>
           </a:p>
           <a:p>

--- a/source/lessons/lsn22-23/Lsn22-23.pptx
+++ b/source/lessons/lsn22-23/Lsn22-23.pptx
@@ -1361,7 +1361,7 @@
           <a:p>
             <a:fld id="{834513E8-165F-4932-9E2D-FD497CB9A4FD}" type="datetimeFigureOut">
               <a:rPr lang="en-US" smtClean="0"/>
-              <a:t>7/9/2018</a:t>
+              <a:t>7/16/2018</a:t>
             </a:fld>
             <a:endParaRPr lang="en-US"/>
           </a:p>
@@ -1638,7 +1638,7 @@
           <a:p>
             <a:fld id="{834513E8-165F-4932-9E2D-FD497CB9A4FD}" type="datetimeFigureOut">
               <a:rPr lang="en-US" smtClean="0"/>
-              <a:t>7/9/2018</a:t>
+              <a:t>7/16/2018</a:t>
             </a:fld>
             <a:endParaRPr lang="en-US"/>
           </a:p>
@@ -1891,7 +1891,7 @@
           <a:p>
             <a:fld id="{834513E8-165F-4932-9E2D-FD497CB9A4FD}" type="datetimeFigureOut">
               <a:rPr lang="en-US" smtClean="0"/>
-              <a:t>7/9/2018</a:t>
+              <a:t>7/16/2018</a:t>
             </a:fld>
             <a:endParaRPr lang="en-US"/>
           </a:p>
@@ -2061,7 +2061,7 @@
           <a:p>
             <a:fld id="{834513E8-165F-4932-9E2D-FD497CB9A4FD}" type="datetimeFigureOut">
               <a:rPr lang="en-US" smtClean="0"/>
-              <a:t>7/9/2018</a:t>
+              <a:t>7/16/2018</a:t>
             </a:fld>
             <a:endParaRPr lang="en-US"/>
           </a:p>
@@ -2241,7 +2241,7 @@
           <a:p>
             <a:fld id="{834513E8-165F-4932-9E2D-FD497CB9A4FD}" type="datetimeFigureOut">
               <a:rPr lang="en-US" smtClean="0"/>
-              <a:t>7/9/2018</a:t>
+              <a:t>7/16/2018</a:t>
             </a:fld>
             <a:endParaRPr lang="en-US"/>
           </a:p>
@@ -2985,7 +2985,7 @@
           <a:p>
             <a:fld id="{834513E8-165F-4932-9E2D-FD497CB9A4FD}" type="datetimeFigureOut">
               <a:rPr lang="en-US" smtClean="0"/>
-              <a:t>7/9/2018</a:t>
+              <a:t>7/16/2018</a:t>
             </a:fld>
             <a:endParaRPr lang="en-US"/>
           </a:p>
@@ -3155,7 +3155,7 @@
           <a:p>
             <a:fld id="{834513E8-165F-4932-9E2D-FD497CB9A4FD}" type="datetimeFigureOut">
               <a:rPr lang="en-US" smtClean="0"/>
-              <a:t>7/9/2018</a:t>
+              <a:t>7/16/2018</a:t>
             </a:fld>
             <a:endParaRPr lang="en-US"/>
           </a:p>
@@ -3401,7 +3401,7 @@
           <a:p>
             <a:fld id="{834513E8-165F-4932-9E2D-FD497CB9A4FD}" type="datetimeFigureOut">
               <a:rPr lang="en-US" smtClean="0"/>
-              <a:t>7/9/2018</a:t>
+              <a:t>7/16/2018</a:t>
             </a:fld>
             <a:endParaRPr lang="en-US"/>
           </a:p>
@@ -3633,7 +3633,7 @@
           <a:p>
             <a:fld id="{834513E8-165F-4932-9E2D-FD497CB9A4FD}" type="datetimeFigureOut">
               <a:rPr lang="en-US" smtClean="0"/>
-              <a:t>7/9/2018</a:t>
+              <a:t>7/16/2018</a:t>
             </a:fld>
             <a:endParaRPr lang="en-US"/>
           </a:p>
@@ -4000,7 +4000,7 @@
           <a:p>
             <a:fld id="{834513E8-165F-4932-9E2D-FD497CB9A4FD}" type="datetimeFigureOut">
               <a:rPr lang="en-US" smtClean="0"/>
-              <a:t>7/9/2018</a:t>
+              <a:t>7/16/2018</a:t>
             </a:fld>
             <a:endParaRPr lang="en-US"/>
           </a:p>
@@ -4118,7 +4118,7 @@
           <a:p>
             <a:fld id="{834513E8-165F-4932-9E2D-FD497CB9A4FD}" type="datetimeFigureOut">
               <a:rPr lang="en-US" smtClean="0"/>
-              <a:t>7/9/2018</a:t>
+              <a:t>7/16/2018</a:t>
             </a:fld>
             <a:endParaRPr lang="en-US"/>
           </a:p>
@@ -5934,7 +5934,7 @@
           <a:p>
             <a:fld id="{834513E8-165F-4932-9E2D-FD497CB9A4FD}" type="datetimeFigureOut">
               <a:rPr lang="en-US" smtClean="0"/>
-              <a:t>7/9/2018</a:t>
+              <a:t>7/16/2018</a:t>
             </a:fld>
             <a:endParaRPr lang="en-US"/>
           </a:p>
@@ -7235,82 +7235,52 @@
                 <a:latin typeface="Courier New" pitchFamily="49" charset="0"/>
                 <a:cs typeface="Courier New" pitchFamily="49" charset="0"/>
               </a:rPr>
-              <a:t>// </a:t>
+              <a:t>// this is: 161</a:t>
+            </a:r>
+          </a:p>
+          <a:p>
+            <a:pPr marL="0" indent="0">
+              <a:buNone/>
+            </a:pPr>
+            <a:r>
+              <a:rPr lang="en-US" dirty="0" err="1">
+                <a:solidFill>
+                  <a:schemeClr val="accent2"/>
+                </a:solidFill>
+                <a:latin typeface="Courier New" pitchFamily="49" charset="0"/>
+                <a:cs typeface="Courier New" pitchFamily="49" charset="0"/>
+              </a:rPr>
+              <a:t>b</a:t>
+            </a:r>
+            <a:r>
+              <a:rPr lang="en-US" dirty="0" err="1" smtClean="0">
+                <a:solidFill>
+                  <a:schemeClr val="accent2"/>
+                </a:solidFill>
+                <a:latin typeface="Courier New" pitchFamily="49" charset="0"/>
+                <a:cs typeface="Courier New" pitchFamily="49" charset="0"/>
+              </a:rPr>
+              <a:t>ob.word</a:t>
             </a:r>
             <a:r>
               <a:rPr lang="en-US" dirty="0" smtClean="0">
                 <a:solidFill>
+                  <a:schemeClr val="accent2"/>
+                </a:solidFill>
+                <a:latin typeface="Courier New" pitchFamily="49" charset="0"/>
+                <a:cs typeface="Courier New" pitchFamily="49" charset="0"/>
+              </a:rPr>
+              <a:t>;  </a:t>
+            </a:r>
+            <a:r>
+              <a:rPr lang="en-US" dirty="0" smtClean="0">
+                <a:solidFill>
                   <a:srgbClr val="00B050"/>
                 </a:solidFill>
                 <a:latin typeface="Courier New" pitchFamily="49" charset="0"/>
                 <a:cs typeface="Courier New" pitchFamily="49" charset="0"/>
               </a:rPr>
-              <a:t>this is: 161</a:t>
-            </a:r>
-          </a:p>
-          <a:p>
-            <a:pPr marL="0" indent="0">
-              <a:buNone/>
-            </a:pPr>
-            <a:r>
-              <a:rPr lang="en-US" dirty="0" err="1">
-                <a:solidFill>
-                  <a:schemeClr val="accent2"/>
-                </a:solidFill>
-                <a:latin typeface="Courier New" pitchFamily="49" charset="0"/>
-                <a:cs typeface="Courier New" pitchFamily="49" charset="0"/>
-              </a:rPr>
-              <a:t>b</a:t>
-            </a:r>
-            <a:r>
-              <a:rPr lang="en-US" dirty="0" err="1" smtClean="0">
-                <a:solidFill>
-                  <a:schemeClr val="accent2"/>
-                </a:solidFill>
-                <a:latin typeface="Courier New" pitchFamily="49" charset="0"/>
-                <a:cs typeface="Courier New" pitchFamily="49" charset="0"/>
-              </a:rPr>
-              <a:t>ob.word</a:t>
-            </a:r>
-            <a:r>
-              <a:rPr lang="en-US" dirty="0" smtClean="0">
-                <a:solidFill>
-                  <a:schemeClr val="accent2"/>
-                </a:solidFill>
-                <a:latin typeface="Courier New" pitchFamily="49" charset="0"/>
-                <a:cs typeface="Courier New" pitchFamily="49" charset="0"/>
-              </a:rPr>
-              <a:t>; </a:t>
-            </a:r>
-            <a:r>
-              <a:rPr lang="en-US" dirty="0" smtClean="0">
-                <a:solidFill>
-                  <a:schemeClr val="accent2"/>
-                </a:solidFill>
-                <a:latin typeface="Courier New" pitchFamily="49" charset="0"/>
-                <a:cs typeface="Courier New" pitchFamily="49" charset="0"/>
-              </a:rPr>
-              <a:t> </a:t>
-            </a:r>
-            <a:r>
-              <a:rPr lang="en-US" dirty="0" smtClean="0">
-                <a:solidFill>
-                  <a:srgbClr val="00B050"/>
-                </a:solidFill>
-                <a:latin typeface="Courier New" pitchFamily="49" charset="0"/>
-                <a:cs typeface="Courier New" pitchFamily="49" charset="0"/>
-              </a:rPr>
-              <a:t>// </a:t>
-            </a:r>
-            <a:r>
-              <a:rPr lang="en-US" dirty="0" smtClean="0">
-                <a:solidFill>
-                  <a:srgbClr val="00B050"/>
-                </a:solidFill>
-                <a:latin typeface="Courier New" pitchFamily="49" charset="0"/>
-                <a:cs typeface="Courier New" pitchFamily="49" charset="0"/>
-              </a:rPr>
-              <a:t>22689</a:t>
+              <a:t>// 22689</a:t>
             </a:r>
             <a:endParaRPr lang="en-US" dirty="0">
               <a:solidFill>
@@ -7689,8 +7659,12 @@
               <a:t>C Language:  </a:t>
             </a:r>
             <a:r>
-              <a:rPr lang="en-US" b="1" dirty="0" err="1"/>
-              <a:t>Structs</a:t>
+              <a:rPr lang="en-US" dirty="0" err="1"/>
+              <a:t>s</a:t>
+            </a:r>
+            <a:r>
+              <a:rPr lang="en-US" b="1" dirty="0" err="1" smtClean="0"/>
+              <a:t>tructs</a:t>
             </a:r>
             <a:endParaRPr lang="en-US" dirty="0"/>
           </a:p>
@@ -7762,8 +7736,15 @@
                 <a:latin typeface="Courier New" pitchFamily="49" charset="0"/>
                 <a:cs typeface="Courier New" pitchFamily="49" charset="0"/>
               </a:rPr>
-              <a:t>Not really how it is done:</a:t>
-            </a:r>
+              <a:t>This is fine:</a:t>
+            </a:r>
+            <a:endParaRPr lang="en-US" sz="1400" b="1" dirty="0" smtClean="0">
+              <a:solidFill>
+                <a:srgbClr val="00B050"/>
+              </a:solidFill>
+              <a:latin typeface="Courier New" pitchFamily="49" charset="0"/>
+              <a:cs typeface="Courier New" pitchFamily="49" charset="0"/>
+            </a:endParaRPr>
           </a:p>
           <a:p>
             <a:pPr marL="0" indent="0">
@@ -7772,7 +7753,7 @@
             <a:r>
               <a:rPr lang="en-US" sz="1400" b="1" dirty="0" err="1" smtClean="0">
                 <a:solidFill>
-                  <a:srgbClr val="00B050"/>
+                  <a:schemeClr val="accent6"/>
                 </a:solidFill>
                 <a:latin typeface="Courier New" pitchFamily="49" charset="0"/>
                 <a:cs typeface="Courier New" pitchFamily="49" charset="0"/>
@@ -7782,7 +7763,7 @@
             <a:r>
               <a:rPr lang="en-US" sz="1400" b="1" dirty="0" smtClean="0">
                 <a:solidFill>
-                  <a:srgbClr val="00B050"/>
+                  <a:schemeClr val="accent6"/>
                 </a:solidFill>
                 <a:latin typeface="Courier New" pitchFamily="49" charset="0"/>
                 <a:cs typeface="Courier New" pitchFamily="49" charset="0"/>
@@ -7792,7 +7773,7 @@
             <a:r>
               <a:rPr lang="en-US" sz="1400" b="1" dirty="0">
                 <a:solidFill>
-                  <a:srgbClr val="00B050"/>
+                  <a:schemeClr val="accent6"/>
                 </a:solidFill>
                 <a:latin typeface="Courier New" pitchFamily="49" charset="0"/>
                 <a:cs typeface="Courier New" pitchFamily="49" charset="0"/>
@@ -7807,7 +7788,7 @@
             <a:r>
               <a:rPr lang="en-US" sz="1400" b="1" dirty="0">
                 <a:solidFill>
-                  <a:srgbClr val="00B050"/>
+                  <a:schemeClr val="accent6"/>
                 </a:solidFill>
                 <a:latin typeface="Courier New" pitchFamily="49" charset="0"/>
                 <a:cs typeface="Courier New" pitchFamily="49" charset="0"/>
@@ -7822,7 +7803,7 @@
             <a:r>
               <a:rPr lang="en-US" sz="1400" b="1" dirty="0">
                 <a:solidFill>
-                  <a:srgbClr val="00B050"/>
+                  <a:schemeClr val="accent6"/>
                 </a:solidFill>
                 <a:latin typeface="Courier New" pitchFamily="49" charset="0"/>
                 <a:cs typeface="Courier New" pitchFamily="49" charset="0"/>
@@ -7837,7 +7818,7 @@
             <a:r>
               <a:rPr lang="en-US" sz="1400" b="1" dirty="0">
                 <a:solidFill>
-                  <a:srgbClr val="00B050"/>
+                  <a:schemeClr val="accent6"/>
                 </a:solidFill>
                 <a:latin typeface="Courier New" pitchFamily="49" charset="0"/>
                 <a:cs typeface="Courier New" pitchFamily="49" charset="0"/>
@@ -7852,7 +7833,7 @@
             <a:r>
               <a:rPr lang="en-US" sz="1400" b="1" dirty="0">
                 <a:solidFill>
-                  <a:srgbClr val="00B050"/>
+                  <a:schemeClr val="accent6"/>
                 </a:solidFill>
                 <a:latin typeface="Courier New" pitchFamily="49" charset="0"/>
                 <a:cs typeface="Courier New" pitchFamily="49" charset="0"/>
@@ -7867,13 +7848,150 @@
             <a:r>
               <a:rPr lang="en-US" sz="1400" b="1" dirty="0" smtClean="0">
                 <a:solidFill>
-                  <a:srgbClr val="00B050"/>
+                  <a:schemeClr val="accent6"/>
                 </a:solidFill>
                 <a:latin typeface="Courier New" pitchFamily="49" charset="0"/>
                 <a:cs typeface="Courier New" pitchFamily="49" charset="0"/>
               </a:rPr>
               <a:t>};</a:t>
             </a:r>
+            <a:endParaRPr lang="en-US" sz="1400" b="1" dirty="0">
+              <a:solidFill>
+                <a:schemeClr val="accent6"/>
+              </a:solidFill>
+              <a:latin typeface="Courier New" pitchFamily="49" charset="0"/>
+              <a:cs typeface="Courier New" pitchFamily="49" charset="0"/>
+            </a:endParaRPr>
+          </a:p>
+          <a:p>
+            <a:pPr marL="0" indent="0">
+              <a:buNone/>
+            </a:pPr>
+            <a:r>
+              <a:rPr lang="en-US" sz="1400" b="1" dirty="0" err="1">
+                <a:solidFill>
+                  <a:schemeClr val="accent6"/>
+                </a:solidFill>
+                <a:latin typeface="Courier New" pitchFamily="49" charset="0"/>
+                <a:cs typeface="Courier New" pitchFamily="49" charset="0"/>
+              </a:rPr>
+              <a:t>struct</a:t>
+            </a:r>
+            <a:r>
+              <a:rPr lang="en-US" sz="1400" b="1" dirty="0">
+                <a:solidFill>
+                  <a:schemeClr val="accent6"/>
+                </a:solidFill>
+                <a:latin typeface="Courier New" pitchFamily="49" charset="0"/>
+                <a:cs typeface="Courier New" pitchFamily="49" charset="0"/>
+              </a:rPr>
+              <a:t> &lt;name&gt; &lt;</a:t>
+            </a:r>
+            <a:r>
+              <a:rPr lang="en-US" sz="1400" b="1" dirty="0" err="1">
+                <a:solidFill>
+                  <a:schemeClr val="accent6"/>
+                </a:solidFill>
+                <a:latin typeface="Courier New" pitchFamily="49" charset="0"/>
+                <a:cs typeface="Courier New" pitchFamily="49" charset="0"/>
+              </a:rPr>
+              <a:t>variable_name</a:t>
+            </a:r>
+            <a:r>
+              <a:rPr lang="en-US" sz="1400" b="1" dirty="0">
+                <a:solidFill>
+                  <a:schemeClr val="accent6"/>
+                </a:solidFill>
+                <a:latin typeface="Courier New" pitchFamily="49" charset="0"/>
+                <a:cs typeface="Courier New" pitchFamily="49" charset="0"/>
+              </a:rPr>
+              <a:t>&gt;;</a:t>
+            </a:r>
+          </a:p>
+          <a:p>
+            <a:pPr marL="0" indent="0">
+              <a:buNone/>
+            </a:pPr>
+            <a:r>
+              <a:rPr lang="en-US" sz="1400" b="1" dirty="0">
+                <a:solidFill>
+                  <a:schemeClr val="accent6"/>
+                </a:solidFill>
+                <a:latin typeface="Courier New" pitchFamily="49" charset="0"/>
+                <a:cs typeface="Courier New" pitchFamily="49" charset="0"/>
+              </a:rPr>
+              <a:t>&lt;</a:t>
+            </a:r>
+            <a:r>
+              <a:rPr lang="en-US" sz="1400" b="1" dirty="0" err="1">
+                <a:solidFill>
+                  <a:schemeClr val="accent6"/>
+                </a:solidFill>
+                <a:latin typeface="Courier New" pitchFamily="49" charset="0"/>
+                <a:cs typeface="Courier New" pitchFamily="49" charset="0"/>
+              </a:rPr>
+              <a:t>variable_name</a:t>
+            </a:r>
+            <a:r>
+              <a:rPr lang="en-US" sz="1400" b="1" dirty="0">
+                <a:solidFill>
+                  <a:schemeClr val="accent6"/>
+                </a:solidFill>
+                <a:latin typeface="Courier New" pitchFamily="49" charset="0"/>
+                <a:cs typeface="Courier New" pitchFamily="49" charset="0"/>
+              </a:rPr>
+              <a:t>&gt;.&lt;var1&gt; = &lt;value&gt;;</a:t>
+            </a:r>
+          </a:p>
+          <a:p>
+            <a:pPr marL="0" indent="0">
+              <a:buNone/>
+            </a:pPr>
+            <a:r>
+              <a:rPr lang="en-US" sz="1400" b="1" dirty="0">
+                <a:solidFill>
+                  <a:schemeClr val="accent6"/>
+                </a:solidFill>
+                <a:latin typeface="Courier New" pitchFamily="49" charset="0"/>
+                <a:cs typeface="Courier New" pitchFamily="49" charset="0"/>
+              </a:rPr>
+              <a:t>&lt;</a:t>
+            </a:r>
+            <a:r>
+              <a:rPr lang="en-US" sz="1400" b="1" dirty="0" err="1">
+                <a:solidFill>
+                  <a:schemeClr val="accent6"/>
+                </a:solidFill>
+                <a:latin typeface="Courier New" pitchFamily="49" charset="0"/>
+                <a:cs typeface="Courier New" pitchFamily="49" charset="0"/>
+              </a:rPr>
+              <a:t>variable_name</a:t>
+            </a:r>
+            <a:r>
+              <a:rPr lang="en-US" sz="1400" b="1" dirty="0">
+                <a:solidFill>
+                  <a:schemeClr val="accent6"/>
+                </a:solidFill>
+                <a:latin typeface="Courier New" pitchFamily="49" charset="0"/>
+                <a:cs typeface="Courier New" pitchFamily="49" charset="0"/>
+              </a:rPr>
+              <a:t>&gt;.&lt;var2&gt; = &lt;value</a:t>
+            </a:r>
+            <a:r>
+              <a:rPr lang="en-US" sz="1400" b="1" dirty="0" smtClean="0">
+                <a:solidFill>
+                  <a:schemeClr val="accent6"/>
+                </a:solidFill>
+                <a:latin typeface="Courier New" pitchFamily="49" charset="0"/>
+                <a:cs typeface="Courier New" pitchFamily="49" charset="0"/>
+              </a:rPr>
+              <a:t>&gt;;</a:t>
+            </a:r>
+          </a:p>
+          <a:p>
+            <a:pPr marL="0" indent="0">
+              <a:buNone/>
+            </a:pPr>
             <a:endParaRPr lang="en-US" sz="1400" b="1" dirty="0">
               <a:solidFill>
                 <a:srgbClr val="00B050"/>
@@ -7887,133 +8005,63 @@
               <a:buNone/>
             </a:pPr>
             <a:r>
+              <a:rPr lang="en-US" sz="2000" b="1" dirty="0" smtClean="0">
+                <a:solidFill>
+                  <a:srgbClr val="FF0000"/>
+                </a:solidFill>
+                <a:latin typeface="Courier New" pitchFamily="49" charset="0"/>
+                <a:cs typeface="Courier New" pitchFamily="49" charset="0"/>
+              </a:rPr>
+              <a:t>Better:</a:t>
+            </a:r>
+          </a:p>
+          <a:p>
+            <a:pPr marL="0" indent="0">
+              <a:buNone/>
+            </a:pPr>
+            <a:r>
               <a:rPr lang="en-US" sz="1400" b="1" dirty="0" err="1">
                 <a:solidFill>
-                  <a:srgbClr val="00B050"/>
+                  <a:schemeClr val="accent6"/>
+                </a:solidFill>
+                <a:latin typeface="Courier New" pitchFamily="49" charset="0"/>
+                <a:cs typeface="Courier New" pitchFamily="49" charset="0"/>
+              </a:rPr>
+              <a:t>t</a:t>
+            </a:r>
+            <a:r>
+              <a:rPr lang="en-US" sz="1400" b="1" dirty="0" err="1" smtClean="0">
+                <a:solidFill>
+                  <a:schemeClr val="accent6"/>
+                </a:solidFill>
+                <a:latin typeface="Courier New" pitchFamily="49" charset="0"/>
+                <a:cs typeface="Courier New" pitchFamily="49" charset="0"/>
+              </a:rPr>
+              <a:t>ypedef</a:t>
+            </a:r>
+            <a:r>
+              <a:rPr lang="en-US" sz="1400" b="1" dirty="0" smtClean="0">
+                <a:solidFill>
+                  <a:schemeClr val="accent6"/>
+                </a:solidFill>
+                <a:latin typeface="Courier New" pitchFamily="49" charset="0"/>
+                <a:cs typeface="Courier New" pitchFamily="49" charset="0"/>
+              </a:rPr>
+              <a:t> </a:t>
+            </a:r>
+            <a:r>
+              <a:rPr lang="en-US" sz="1400" b="1" dirty="0" err="1" smtClean="0">
+                <a:solidFill>
+                  <a:schemeClr val="accent6"/>
                 </a:solidFill>
                 <a:latin typeface="Courier New" pitchFamily="49" charset="0"/>
                 <a:cs typeface="Courier New" pitchFamily="49" charset="0"/>
               </a:rPr>
               <a:t>struct</a:t>
             </a:r>
-            <a:r>
-              <a:rPr lang="en-US" sz="1400" b="1" dirty="0">
-                <a:solidFill>
-                  <a:srgbClr val="00B050"/>
-                </a:solidFill>
-                <a:latin typeface="Courier New" pitchFamily="49" charset="0"/>
-                <a:cs typeface="Courier New" pitchFamily="49" charset="0"/>
-              </a:rPr>
-              <a:t> &lt;name&gt; &lt;</a:t>
-            </a:r>
-            <a:r>
-              <a:rPr lang="en-US" sz="1400" b="1" dirty="0" err="1">
-                <a:solidFill>
-                  <a:srgbClr val="00B050"/>
-                </a:solidFill>
-                <a:latin typeface="Courier New" pitchFamily="49" charset="0"/>
-                <a:cs typeface="Courier New" pitchFamily="49" charset="0"/>
-              </a:rPr>
-              <a:t>variable_name</a:t>
-            </a:r>
-            <a:r>
-              <a:rPr lang="en-US" sz="1400" b="1" dirty="0">
-                <a:solidFill>
-                  <a:srgbClr val="00B050"/>
-                </a:solidFill>
-                <a:latin typeface="Courier New" pitchFamily="49" charset="0"/>
-                <a:cs typeface="Courier New" pitchFamily="49" charset="0"/>
-              </a:rPr>
-              <a:t>&gt;;</a:t>
-            </a:r>
-          </a:p>
-          <a:p>
-            <a:pPr marL="0" indent="0">
-              <a:buNone/>
-            </a:pPr>
-            <a:r>
-              <a:rPr lang="en-US" sz="1400" b="1" dirty="0">
-                <a:solidFill>
-                  <a:srgbClr val="00B050"/>
-                </a:solidFill>
-                <a:latin typeface="Courier New" pitchFamily="49" charset="0"/>
-                <a:cs typeface="Courier New" pitchFamily="49" charset="0"/>
-              </a:rPr>
-              <a:t>&lt;</a:t>
-            </a:r>
-            <a:r>
-              <a:rPr lang="en-US" sz="1400" b="1" dirty="0" err="1">
-                <a:solidFill>
-                  <a:srgbClr val="00B050"/>
-                </a:solidFill>
-                <a:latin typeface="Courier New" pitchFamily="49" charset="0"/>
-                <a:cs typeface="Courier New" pitchFamily="49" charset="0"/>
-              </a:rPr>
-              <a:t>variable_name</a:t>
-            </a:r>
-            <a:r>
-              <a:rPr lang="en-US" sz="1400" b="1" dirty="0">
-                <a:solidFill>
-                  <a:srgbClr val="00B050"/>
-                </a:solidFill>
-                <a:latin typeface="Courier New" pitchFamily="49" charset="0"/>
-                <a:cs typeface="Courier New" pitchFamily="49" charset="0"/>
-              </a:rPr>
-              <a:t>&gt;.&lt;var1&gt; = &lt;value&gt;;</a:t>
-            </a:r>
-          </a:p>
-          <a:p>
-            <a:pPr marL="0" indent="0">
-              <a:buNone/>
-            </a:pPr>
-            <a:r>
-              <a:rPr lang="en-US" sz="1400" b="1" dirty="0">
-                <a:solidFill>
-                  <a:srgbClr val="00B050"/>
-                </a:solidFill>
-                <a:latin typeface="Courier New" pitchFamily="49" charset="0"/>
-                <a:cs typeface="Courier New" pitchFamily="49" charset="0"/>
-              </a:rPr>
-              <a:t>&lt;</a:t>
-            </a:r>
-            <a:r>
-              <a:rPr lang="en-US" sz="1400" b="1" dirty="0" err="1">
-                <a:solidFill>
-                  <a:srgbClr val="00B050"/>
-                </a:solidFill>
-                <a:latin typeface="Courier New" pitchFamily="49" charset="0"/>
-                <a:cs typeface="Courier New" pitchFamily="49" charset="0"/>
-              </a:rPr>
-              <a:t>variable_name</a:t>
-            </a:r>
-            <a:r>
-              <a:rPr lang="en-US" sz="1400" b="1" dirty="0">
-                <a:solidFill>
-                  <a:srgbClr val="00B050"/>
-                </a:solidFill>
-                <a:latin typeface="Courier New" pitchFamily="49" charset="0"/>
-                <a:cs typeface="Courier New" pitchFamily="49" charset="0"/>
-              </a:rPr>
-              <a:t>&gt;.&lt;var2&gt; = &lt;value</a:t>
-            </a:r>
-            <a:r>
-              <a:rPr lang="en-US" sz="1400" b="1" dirty="0" smtClean="0">
-                <a:solidFill>
-                  <a:srgbClr val="00B050"/>
-                </a:solidFill>
-                <a:latin typeface="Courier New" pitchFamily="49" charset="0"/>
-                <a:cs typeface="Courier New" pitchFamily="49" charset="0"/>
-              </a:rPr>
-              <a:t>&gt;;</a:t>
-            </a:r>
-          </a:p>
-          <a:p>
-            <a:pPr marL="0" indent="0">
-              <a:buNone/>
-            </a:pPr>
             <a:endParaRPr lang="en-US" sz="1400" b="1" dirty="0">
               <a:solidFill>
-                <a:srgbClr val="00B050"/>
+                <a:schemeClr val="accent6"/>
               </a:solidFill>
               <a:latin typeface="Courier New" pitchFamily="49" charset="0"/>
               <a:cs typeface="Courier New" pitchFamily="49" charset="0"/>
@@ -8024,14 +8072,14 @@
               <a:buNone/>
             </a:pPr>
             <a:r>
-              <a:rPr lang="en-US" sz="2000" b="1" dirty="0" smtClean="0">
-                <a:solidFill>
-                  <a:srgbClr val="FF0000"/>
-                </a:solidFill>
-                <a:latin typeface="Courier New" pitchFamily="49" charset="0"/>
-                <a:cs typeface="Courier New" pitchFamily="49" charset="0"/>
-              </a:rPr>
-              <a:t>Better:</a:t>
+              <a:rPr lang="en-US" sz="1400" b="1" dirty="0">
+                <a:solidFill>
+                  <a:schemeClr val="accent6"/>
+                </a:solidFill>
+                <a:latin typeface="Courier New" pitchFamily="49" charset="0"/>
+                <a:cs typeface="Courier New" pitchFamily="49" charset="0"/>
+              </a:rPr>
+              <a:t>{</a:t>
             </a:r>
           </a:p>
           <a:p>
@@ -8039,48 +8087,68 @@
               <a:buNone/>
             </a:pPr>
             <a:r>
-              <a:rPr lang="en-US" sz="1400" b="1" dirty="0" err="1">
-                <a:solidFill>
-                  <a:srgbClr val="00B050"/>
-                </a:solidFill>
-                <a:latin typeface="Courier New" pitchFamily="49" charset="0"/>
-                <a:cs typeface="Courier New" pitchFamily="49" charset="0"/>
-              </a:rPr>
-              <a:t>t</a:t>
-            </a:r>
-            <a:r>
-              <a:rPr lang="en-US" sz="1400" b="1" dirty="0" err="1" smtClean="0">
-                <a:solidFill>
-                  <a:srgbClr val="00B050"/>
-                </a:solidFill>
-                <a:latin typeface="Courier New" pitchFamily="49" charset="0"/>
-                <a:cs typeface="Courier New" pitchFamily="49" charset="0"/>
-              </a:rPr>
-              <a:t>ypedef</a:t>
-            </a:r>
+              <a:rPr lang="en-US" sz="1400" b="1" dirty="0">
+                <a:solidFill>
+                  <a:schemeClr val="accent6"/>
+                </a:solidFill>
+                <a:latin typeface="Courier New" pitchFamily="49" charset="0"/>
+                <a:cs typeface="Courier New" pitchFamily="49" charset="0"/>
+              </a:rPr>
+              <a:t>    &lt;type&gt; &lt;var1&gt;;</a:t>
+            </a:r>
+          </a:p>
+          <a:p>
+            <a:pPr marL="0" indent="0">
+              <a:buNone/>
+            </a:pPr>
+            <a:r>
+              <a:rPr lang="en-US" sz="1400" b="1" dirty="0">
+                <a:solidFill>
+                  <a:schemeClr val="accent6"/>
+                </a:solidFill>
+                <a:latin typeface="Courier New" pitchFamily="49" charset="0"/>
+                <a:cs typeface="Courier New" pitchFamily="49" charset="0"/>
+              </a:rPr>
+              <a:t>    &lt;type&gt; &lt;var2&gt;;</a:t>
+            </a:r>
+          </a:p>
+          <a:p>
+            <a:pPr marL="0" indent="0">
+              <a:buNone/>
+            </a:pPr>
+            <a:r>
+              <a:rPr lang="en-US" sz="1400" b="1" dirty="0">
+                <a:solidFill>
+                  <a:schemeClr val="accent6"/>
+                </a:solidFill>
+                <a:latin typeface="Courier New" pitchFamily="49" charset="0"/>
+                <a:cs typeface="Courier New" pitchFamily="49" charset="0"/>
+              </a:rPr>
+              <a:t>    ...</a:t>
+            </a:r>
+          </a:p>
+          <a:p>
+            <a:pPr marL="0" indent="0">
+              <a:buNone/>
+            </a:pPr>
             <a:r>
               <a:rPr lang="en-US" sz="1400" b="1" dirty="0" smtClean="0">
                 <a:solidFill>
-                  <a:srgbClr val="00B050"/>
-                </a:solidFill>
-                <a:latin typeface="Courier New" pitchFamily="49" charset="0"/>
-                <a:cs typeface="Courier New" pitchFamily="49" charset="0"/>
-              </a:rPr>
-              <a:t> </a:t>
-            </a:r>
-            <a:r>
-              <a:rPr lang="en-US" sz="1400" b="1" dirty="0" err="1" smtClean="0">
-                <a:solidFill>
-                  <a:srgbClr val="00B050"/>
-                </a:solidFill>
-                <a:latin typeface="Courier New" pitchFamily="49" charset="0"/>
-                <a:cs typeface="Courier New" pitchFamily="49" charset="0"/>
-              </a:rPr>
-              <a:t>struct</a:t>
-            </a:r>
+                  <a:schemeClr val="accent6"/>
+                </a:solidFill>
+                <a:latin typeface="Courier New" pitchFamily="49" charset="0"/>
+                <a:cs typeface="Courier New" pitchFamily="49" charset="0"/>
+              </a:rPr>
+              <a:t>} &lt;name&gt;;</a:t>
+            </a:r>
+          </a:p>
+          <a:p>
+            <a:pPr marL="0" indent="0">
+              <a:buNone/>
+            </a:pPr>
             <a:endParaRPr lang="en-US" sz="1400" b="1" dirty="0">
               <a:solidFill>
-                <a:srgbClr val="00B050"/>
+                <a:schemeClr val="accent6"/>
               </a:solidFill>
               <a:latin typeface="Courier New" pitchFamily="49" charset="0"/>
               <a:cs typeface="Courier New" pitchFamily="49" charset="0"/>
@@ -8091,125 +8159,38 @@
               <a:buNone/>
             </a:pPr>
             <a:r>
-              <a:rPr lang="en-US" sz="1400" b="1" dirty="0">
-                <a:solidFill>
-                  <a:srgbClr val="00B050"/>
-                </a:solidFill>
-                <a:latin typeface="Courier New" pitchFamily="49" charset="0"/>
-                <a:cs typeface="Courier New" pitchFamily="49" charset="0"/>
-              </a:rPr>
-              <a:t>{</a:t>
-            </a:r>
-          </a:p>
-          <a:p>
-            <a:pPr marL="0" indent="0">
-              <a:buNone/>
-            </a:pPr>
-            <a:r>
-              <a:rPr lang="en-US" sz="1400" b="1" dirty="0">
-                <a:solidFill>
-                  <a:srgbClr val="00B050"/>
-                </a:solidFill>
-                <a:latin typeface="Courier New" pitchFamily="49" charset="0"/>
-                <a:cs typeface="Courier New" pitchFamily="49" charset="0"/>
-              </a:rPr>
-              <a:t>    &lt;type&gt; &lt;var1&gt;;</a:t>
-            </a:r>
-          </a:p>
-          <a:p>
-            <a:pPr marL="0" indent="0">
-              <a:buNone/>
-            </a:pPr>
-            <a:r>
-              <a:rPr lang="en-US" sz="1400" b="1" dirty="0">
-                <a:solidFill>
-                  <a:srgbClr val="00B050"/>
-                </a:solidFill>
-                <a:latin typeface="Courier New" pitchFamily="49" charset="0"/>
-                <a:cs typeface="Courier New" pitchFamily="49" charset="0"/>
-              </a:rPr>
-              <a:t>    &lt;type&gt; &lt;var2&gt;;</a:t>
-            </a:r>
-          </a:p>
-          <a:p>
-            <a:pPr marL="0" indent="0">
-              <a:buNone/>
-            </a:pPr>
-            <a:r>
-              <a:rPr lang="en-US" sz="1400" b="1" dirty="0">
-                <a:solidFill>
-                  <a:srgbClr val="00B050"/>
-                </a:solidFill>
-                <a:latin typeface="Courier New" pitchFamily="49" charset="0"/>
-                <a:cs typeface="Courier New" pitchFamily="49" charset="0"/>
-              </a:rPr>
-              <a:t>    ...</a:t>
-            </a:r>
-          </a:p>
-          <a:p>
-            <a:pPr marL="0" indent="0">
-              <a:buNone/>
-            </a:pPr>
-            <a:r>
               <a:rPr lang="en-US" sz="1400" b="1" dirty="0" smtClean="0">
                 <a:solidFill>
-                  <a:srgbClr val="00B050"/>
-                </a:solidFill>
-                <a:latin typeface="Courier New" pitchFamily="49" charset="0"/>
-                <a:cs typeface="Courier New" pitchFamily="49" charset="0"/>
-              </a:rPr>
-              <a:t>} &lt;name&gt;;</a:t>
-            </a:r>
-          </a:p>
-          <a:p>
-            <a:pPr marL="0" indent="0">
-              <a:buNone/>
-            </a:pPr>
+                  <a:schemeClr val="accent6"/>
+                </a:solidFill>
+                <a:latin typeface="Courier New" pitchFamily="49" charset="0"/>
+                <a:cs typeface="Courier New" pitchFamily="49" charset="0"/>
+              </a:rPr>
+              <a:t>&lt;name&gt; &lt;</a:t>
+            </a:r>
+            <a:r>
+              <a:rPr lang="en-US" sz="1400" b="1" dirty="0" err="1" smtClean="0">
+                <a:solidFill>
+                  <a:schemeClr val="accent6"/>
+                </a:solidFill>
+                <a:latin typeface="Courier New" pitchFamily="49" charset="0"/>
+                <a:cs typeface="Courier New" pitchFamily="49" charset="0"/>
+              </a:rPr>
+              <a:t>variable_name</a:t>
+            </a:r>
+            <a:r>
+              <a:rPr lang="en-US" sz="1400" b="1" dirty="0" smtClean="0">
+                <a:solidFill>
+                  <a:schemeClr val="accent6"/>
+                </a:solidFill>
+                <a:latin typeface="Courier New" pitchFamily="49" charset="0"/>
+                <a:cs typeface="Courier New" pitchFamily="49" charset="0"/>
+              </a:rPr>
+              <a:t>&gt;;</a:t>
+            </a:r>
             <a:endParaRPr lang="en-US" sz="1400" b="1" dirty="0">
               <a:solidFill>
-                <a:srgbClr val="00B050"/>
-              </a:solidFill>
-              <a:latin typeface="Courier New" pitchFamily="49" charset="0"/>
-              <a:cs typeface="Courier New" pitchFamily="49" charset="0"/>
-            </a:endParaRPr>
-          </a:p>
-          <a:p>
-            <a:pPr marL="0" indent="0">
-              <a:buNone/>
-            </a:pPr>
-            <a:r>
-              <a:rPr lang="en-US" sz="1400" b="1" dirty="0" smtClean="0">
-                <a:solidFill>
-                  <a:srgbClr val="00B050"/>
-                </a:solidFill>
-                <a:latin typeface="Courier New" pitchFamily="49" charset="0"/>
-                <a:cs typeface="Courier New" pitchFamily="49" charset="0"/>
-              </a:rPr>
-              <a:t>&lt;name&gt; &lt;</a:t>
-            </a:r>
-            <a:r>
-              <a:rPr lang="en-US" sz="1400" b="1" dirty="0" err="1" smtClean="0">
-                <a:solidFill>
-                  <a:srgbClr val="00B050"/>
-                </a:solidFill>
-                <a:latin typeface="Courier New" pitchFamily="49" charset="0"/>
-                <a:cs typeface="Courier New" pitchFamily="49" charset="0"/>
-              </a:rPr>
-              <a:t>variable_name</a:t>
-            </a:r>
-            <a:r>
-              <a:rPr lang="en-US" sz="1400" b="1" dirty="0" smtClean="0">
-                <a:solidFill>
-                  <a:srgbClr val="00B050"/>
-                </a:solidFill>
-                <a:latin typeface="Courier New" pitchFamily="49" charset="0"/>
-                <a:cs typeface="Courier New" pitchFamily="49" charset="0"/>
-              </a:rPr>
-              <a:t>&gt;;</a:t>
-            </a:r>
-            <a:endParaRPr lang="en-US" sz="1400" b="1" dirty="0">
-              <a:solidFill>
-                <a:srgbClr val="00B050"/>
+                <a:schemeClr val="accent6"/>
               </a:solidFill>
               <a:latin typeface="Courier New" pitchFamily="49" charset="0"/>
               <a:cs typeface="Courier New" pitchFamily="49" charset="0"/>
@@ -8467,7 +8448,27 @@
                 <a:latin typeface="Courier New" pitchFamily="49" charset="0"/>
                 <a:cs typeface="Courier New" pitchFamily="49" charset="0"/>
               </a:rPr>
-              <a:t>    char x, y;</a:t>
+              <a:t>    </a:t>
+            </a:r>
+            <a:r>
+              <a:rPr lang="en-US" sz="1200" b="1" kern="0" dirty="0" smtClean="0">
+                <a:solidFill>
+                  <a:schemeClr val="accent2"/>
+                </a:solidFill>
+                <a:latin typeface="Courier New" pitchFamily="49" charset="0"/>
+                <a:cs typeface="Courier New" pitchFamily="49" charset="0"/>
+              </a:rPr>
+              <a:t>uint8_t x</a:t>
+            </a:r>
+            <a:r>
+              <a:rPr lang="en-US" sz="1200" b="1" kern="0" dirty="0">
+                <a:solidFill>
+                  <a:schemeClr val="accent2"/>
+                </a:solidFill>
+                <a:latin typeface="Courier New" pitchFamily="49" charset="0"/>
+                <a:cs typeface="Courier New" pitchFamily="49" charset="0"/>
+              </a:rPr>
+              <a:t>, y;</a:t>
             </a:r>
           </a:p>
           <a:p>
@@ -8651,7 +8652,37 @@
                 <a:latin typeface="Courier New" pitchFamily="49" charset="0"/>
                 <a:cs typeface="Courier New" pitchFamily="49" charset="0"/>
               </a:rPr>
-              <a:t>    char radius;</a:t>
+              <a:t>    </a:t>
+            </a:r>
+            <a:r>
+              <a:rPr lang="en-US" sz="1200" b="1" kern="0" dirty="0" smtClean="0">
+                <a:solidFill>
+                  <a:schemeClr val="accent2"/>
+                </a:solidFill>
+                <a:latin typeface="Courier New" pitchFamily="49" charset="0"/>
+                <a:cs typeface="Courier New" pitchFamily="49" charset="0"/>
+              </a:rPr>
+              <a:t>uint8_t</a:t>
+            </a:r>
+            <a:r>
+              <a:rPr lang="en-US" sz="1200" b="1" kern="0" dirty="0" smtClean="0">
+                <a:solidFill>
+                  <a:schemeClr val="accent2"/>
+                </a:solidFill>
+                <a:latin typeface="Courier New" pitchFamily="49" charset="0"/>
+                <a:cs typeface="Courier New" pitchFamily="49" charset="0"/>
+              </a:rPr>
+              <a:t> </a:t>
+            </a:r>
+            <a:r>
+              <a:rPr lang="en-US" sz="1200" b="1" kern="0" dirty="0">
+                <a:solidFill>
+                  <a:schemeClr val="accent2"/>
+                </a:solidFill>
+                <a:latin typeface="Courier New" pitchFamily="49" charset="0"/>
+                <a:cs typeface="Courier New" pitchFamily="49" charset="0"/>
+              </a:rPr>
+              <a:t>radius;</a:t>
             </a:r>
           </a:p>
           <a:p>
@@ -9227,6 +9258,35 @@
           </a:p>
         </p:txBody>
       </p:sp>
+      <p:cxnSp>
+        <p:nvCxnSpPr>
+          <p:cNvPr id="6" name="Straight Connector 5"/>
+          <p:cNvCxnSpPr/>
+          <p:nvPr/>
+        </p:nvCxnSpPr>
+        <p:spPr bwMode="auto">
+          <a:xfrm>
+            <a:off x="3917731" y="1848856"/>
+            <a:ext cx="0" cy="4434882"/>
+          </a:xfrm>
+          <a:prstGeom prst="line">
+            <a:avLst/>
+          </a:prstGeom>
+          <a:solidFill>
+            <a:srgbClr val="0C2D83"/>
+          </a:solidFill>
+          <a:ln w="12700" cap="flat" cmpd="sng" algn="ctr">
+            <a:solidFill>
+              <a:schemeClr val="tx1"/>
+            </a:solidFill>
+            <a:prstDash val="solid"/>
+            <a:round/>
+            <a:headEnd type="none" w="med" len="med"/>
+            <a:tailEnd type="none" w="med" len="med"/>
+          </a:ln>
+          <a:effectLst/>
+        </p:spPr>
+      </p:cxnSp>
     </p:spTree>
     <p:extLst>
       <p:ext uri="{BB962C8B-B14F-4D97-AF65-F5344CB8AC3E}">
@@ -9567,7 +9627,27 @@
                 <a:latin typeface="Courier New" pitchFamily="49" charset="0"/>
                 <a:cs typeface="Courier New" pitchFamily="49" charset="0"/>
               </a:rPr>
-              <a:t>    char x, y;</a:t>
+              <a:t>    </a:t>
+            </a:r>
+            <a:r>
+              <a:rPr lang="fr-FR" sz="1400" b="1" dirty="0" smtClean="0">
+                <a:solidFill>
+                  <a:schemeClr val="accent2"/>
+                </a:solidFill>
+                <a:latin typeface="Courier New" pitchFamily="49" charset="0"/>
+                <a:cs typeface="Courier New" pitchFamily="49" charset="0"/>
+              </a:rPr>
+              <a:t>uint8_t x</a:t>
+            </a:r>
+            <a:r>
+              <a:rPr lang="fr-FR" sz="1400" b="1" dirty="0">
+                <a:solidFill>
+                  <a:schemeClr val="accent2"/>
+                </a:solidFill>
+                <a:latin typeface="Courier New" pitchFamily="49" charset="0"/>
+                <a:cs typeface="Courier New" pitchFamily="49" charset="0"/>
+              </a:rPr>
+              <a:t>, y;</a:t>
             </a:r>
           </a:p>
           <a:p>

--- a/source/lessons/lsn22-23/Lsn22-23.pptx
+++ b/source/lessons/lsn22-23/Lsn22-23.pptx
@@ -7,10 +7,10 @@
     <p:sldMasterId id="2147483667" r:id="rId3"/>
   </p:sldMasterIdLst>
   <p:notesMasterIdLst>
-    <p:notesMasterId r:id="rId15"/>
+    <p:notesMasterId r:id="rId16"/>
   </p:notesMasterIdLst>
   <p:handoutMasterIdLst>
-    <p:handoutMasterId r:id="rId16"/>
+    <p:handoutMasterId r:id="rId17"/>
   </p:handoutMasterIdLst>
   <p:sldIdLst>
     <p:sldId id="352" r:id="rId4"/>
@@ -23,7 +23,8 @@
     <p:sldId id="360" r:id="rId11"/>
     <p:sldId id="361" r:id="rId12"/>
     <p:sldId id="362" r:id="rId13"/>
-    <p:sldId id="353" r:id="rId14"/>
+    <p:sldId id="363" r:id="rId14"/>
+    <p:sldId id="353" r:id="rId15"/>
   </p:sldIdLst>
   <p:sldSz cx="9144000" cy="6858000" type="screen4x3"/>
   <p:notesSz cx="7010400" cy="9296400"/>
@@ -1361,7 +1362,7 @@
           <a:p>
             <a:fld id="{834513E8-165F-4932-9E2D-FD497CB9A4FD}" type="datetimeFigureOut">
               <a:rPr lang="en-US" smtClean="0"/>
-              <a:t>7/16/2018</a:t>
+              <a:t>10/11/2018</a:t>
             </a:fld>
             <a:endParaRPr lang="en-US"/>
           </a:p>
@@ -1638,7 +1639,7 @@
           <a:p>
             <a:fld id="{834513E8-165F-4932-9E2D-FD497CB9A4FD}" type="datetimeFigureOut">
               <a:rPr lang="en-US" smtClean="0"/>
-              <a:t>7/16/2018</a:t>
+              <a:t>10/11/2018</a:t>
             </a:fld>
             <a:endParaRPr lang="en-US"/>
           </a:p>
@@ -1891,7 +1892,7 @@
           <a:p>
             <a:fld id="{834513E8-165F-4932-9E2D-FD497CB9A4FD}" type="datetimeFigureOut">
               <a:rPr lang="en-US" smtClean="0"/>
-              <a:t>7/16/2018</a:t>
+              <a:t>10/11/2018</a:t>
             </a:fld>
             <a:endParaRPr lang="en-US"/>
           </a:p>
@@ -2061,7 +2062,7 @@
           <a:p>
             <a:fld id="{834513E8-165F-4932-9E2D-FD497CB9A4FD}" type="datetimeFigureOut">
               <a:rPr lang="en-US" smtClean="0"/>
-              <a:t>7/16/2018</a:t>
+              <a:t>10/11/2018</a:t>
             </a:fld>
             <a:endParaRPr lang="en-US"/>
           </a:p>
@@ -2241,7 +2242,7 @@
           <a:p>
             <a:fld id="{834513E8-165F-4932-9E2D-FD497CB9A4FD}" type="datetimeFigureOut">
               <a:rPr lang="en-US" smtClean="0"/>
-              <a:t>7/16/2018</a:t>
+              <a:t>10/11/2018</a:t>
             </a:fld>
             <a:endParaRPr lang="en-US"/>
           </a:p>
@@ -2985,7 +2986,7 @@
           <a:p>
             <a:fld id="{834513E8-165F-4932-9E2D-FD497CB9A4FD}" type="datetimeFigureOut">
               <a:rPr lang="en-US" smtClean="0"/>
-              <a:t>7/16/2018</a:t>
+              <a:t>10/11/2018</a:t>
             </a:fld>
             <a:endParaRPr lang="en-US"/>
           </a:p>
@@ -3155,7 +3156,7 @@
           <a:p>
             <a:fld id="{834513E8-165F-4932-9E2D-FD497CB9A4FD}" type="datetimeFigureOut">
               <a:rPr lang="en-US" smtClean="0"/>
-              <a:t>7/16/2018</a:t>
+              <a:t>10/11/2018</a:t>
             </a:fld>
             <a:endParaRPr lang="en-US"/>
           </a:p>
@@ -3401,7 +3402,7 @@
           <a:p>
             <a:fld id="{834513E8-165F-4932-9E2D-FD497CB9A4FD}" type="datetimeFigureOut">
               <a:rPr lang="en-US" smtClean="0"/>
-              <a:t>7/16/2018</a:t>
+              <a:t>10/11/2018</a:t>
             </a:fld>
             <a:endParaRPr lang="en-US"/>
           </a:p>
@@ -3633,7 +3634,7 @@
           <a:p>
             <a:fld id="{834513E8-165F-4932-9E2D-FD497CB9A4FD}" type="datetimeFigureOut">
               <a:rPr lang="en-US" smtClean="0"/>
-              <a:t>7/16/2018</a:t>
+              <a:t>10/11/2018</a:t>
             </a:fld>
             <a:endParaRPr lang="en-US"/>
           </a:p>
@@ -4000,7 +4001,7 @@
           <a:p>
             <a:fld id="{834513E8-165F-4932-9E2D-FD497CB9A4FD}" type="datetimeFigureOut">
               <a:rPr lang="en-US" smtClean="0"/>
-              <a:t>7/16/2018</a:t>
+              <a:t>10/11/2018</a:t>
             </a:fld>
             <a:endParaRPr lang="en-US"/>
           </a:p>
@@ -4118,7 +4119,7 @@
           <a:p>
             <a:fld id="{834513E8-165F-4932-9E2D-FD497CB9A4FD}" type="datetimeFigureOut">
               <a:rPr lang="en-US" smtClean="0"/>
-              <a:t>7/16/2018</a:t>
+              <a:t>10/11/2018</a:t>
             </a:fld>
             <a:endParaRPr lang="en-US"/>
           </a:p>
@@ -5934,7 +5935,7 @@
           <a:p>
             <a:fld id="{834513E8-165F-4932-9E2D-FD497CB9A4FD}" type="datetimeFigureOut">
               <a:rPr lang="en-US" smtClean="0"/>
-              <a:t>7/16/2018</a:t>
+              <a:t>10/11/2018</a:t>
             </a:fld>
             <a:endParaRPr lang="en-US"/>
           </a:p>
@@ -6988,7 +6989,7 @@
         <p:spPr/>
         <p:txBody>
           <a:bodyPr>
-            <a:normAutofit fontScale="77500" lnSpcReduction="20000"/>
+            <a:normAutofit fontScale="62500" lnSpcReduction="20000"/>
           </a:bodyPr>
           <a:lstStyle/>
           <a:p>
@@ -7048,8 +7049,35 @@
                 <a:latin typeface="Courier New" pitchFamily="49" charset="0"/>
                 <a:cs typeface="Courier New" pitchFamily="49" charset="0"/>
               </a:rPr>
-              <a:t>uint8_t low, high;</a:t>
-            </a:r>
+              <a:t>uint8_t </a:t>
+            </a:r>
+            <a:r>
+              <a:rPr lang="en-US" dirty="0" smtClean="0">
+                <a:solidFill>
+                  <a:schemeClr val="accent2"/>
+                </a:solidFill>
+                <a:latin typeface="Courier New" pitchFamily="49" charset="0"/>
+                <a:cs typeface="Courier New" pitchFamily="49" charset="0"/>
+              </a:rPr>
+              <a:t>byte[2]</a:t>
+            </a:r>
+            <a:r>
+              <a:rPr lang="en-US" dirty="0" smtClean="0">
+                <a:solidFill>
+                  <a:schemeClr val="accent2"/>
+                </a:solidFill>
+                <a:latin typeface="Courier New" pitchFamily="49" charset="0"/>
+                <a:cs typeface="Courier New" pitchFamily="49" charset="0"/>
+              </a:rPr>
+              <a:t>;</a:t>
+            </a:r>
+            <a:endParaRPr lang="en-US" dirty="0" smtClean="0">
+              <a:solidFill>
+                <a:schemeClr val="accent2"/>
+              </a:solidFill>
+              <a:latin typeface="Courier New" pitchFamily="49" charset="0"/>
+              <a:cs typeface="Courier New" pitchFamily="49" charset="0"/>
+            </a:endParaRPr>
           </a:p>
           <a:p>
             <a:pPr marL="0" indent="0">
@@ -7120,6 +7148,53 @@
               </a:rPr>
               <a:t>;</a:t>
             </a:r>
+          </a:p>
+          <a:p>
+            <a:pPr marL="0" indent="0">
+              <a:buNone/>
+            </a:pPr>
+            <a:r>
+              <a:rPr lang="en-US" dirty="0">
+                <a:solidFill>
+                  <a:schemeClr val="accent2"/>
+                </a:solidFill>
+                <a:latin typeface="Courier New" pitchFamily="49" charset="0"/>
+                <a:cs typeface="Courier New" pitchFamily="49" charset="0"/>
+              </a:rPr>
+              <a:t>u</a:t>
+            </a:r>
+            <a:r>
+              <a:rPr lang="en-US" dirty="0" smtClean="0">
+                <a:solidFill>
+                  <a:schemeClr val="accent2"/>
+                </a:solidFill>
+                <a:latin typeface="Courier New" pitchFamily="49" charset="0"/>
+                <a:cs typeface="Courier New" pitchFamily="49" charset="0"/>
+              </a:rPr>
+              <a:t>int8_t h, l;</a:t>
+            </a:r>
+          </a:p>
+          <a:p>
+            <a:pPr marL="0" indent="0">
+              <a:buNone/>
+            </a:pPr>
+            <a:r>
+              <a:rPr lang="en-US" dirty="0" smtClean="0">
+                <a:solidFill>
+                  <a:schemeClr val="accent2"/>
+                </a:solidFill>
+                <a:latin typeface="Courier New" pitchFamily="49" charset="0"/>
+                <a:cs typeface="Courier New" pitchFamily="49" charset="0"/>
+              </a:rPr>
+              <a:t>Uint16_t w;</a:t>
+            </a:r>
+            <a:endParaRPr lang="en-US" dirty="0" smtClean="0">
+              <a:solidFill>
+                <a:schemeClr val="accent2"/>
+              </a:solidFill>
+              <a:latin typeface="Courier New" pitchFamily="49" charset="0"/>
+              <a:cs typeface="Courier New" pitchFamily="49" charset="0"/>
+            </a:endParaRPr>
           </a:p>
           <a:p>
             <a:pPr marL="0" indent="0">
@@ -7165,7 +7240,7 @@
                 <a:latin typeface="Courier New" pitchFamily="49" charset="0"/>
                 <a:cs typeface="Courier New" pitchFamily="49" charset="0"/>
               </a:rPr>
-              <a:t>bob = 22689;</a:t>
+              <a:t>bob;</a:t>
             </a:r>
           </a:p>
           <a:p>
@@ -7173,6 +7248,16 @@
               <a:buNone/>
             </a:pPr>
             <a:r>
+              <a:rPr lang="en-US" dirty="0" err="1">
+                <a:solidFill>
+                  <a:schemeClr val="accent2"/>
+                </a:solidFill>
+                <a:latin typeface="Courier New" pitchFamily="49" charset="0"/>
+                <a:cs typeface="Courier New" pitchFamily="49" charset="0"/>
+              </a:rPr>
+              <a:t>b</a:t>
+            </a:r>
+            <a:r>
               <a:rPr lang="en-US" dirty="0" err="1" smtClean="0">
                 <a:solidFill>
                   <a:schemeClr val="accent2"/>
@@ -7180,7 +7265,7 @@
                 <a:latin typeface="Courier New" pitchFamily="49" charset="0"/>
                 <a:cs typeface="Courier New" pitchFamily="49" charset="0"/>
               </a:rPr>
-              <a:t>bob.high</a:t>
+              <a:t>ob.word</a:t>
             </a:r>
             <a:r>
               <a:rPr lang="en-US" dirty="0" smtClean="0">
@@ -7190,34 +7275,196 @@
                 <a:latin typeface="Courier New" pitchFamily="49" charset="0"/>
                 <a:cs typeface="Courier New" pitchFamily="49" charset="0"/>
               </a:rPr>
+              <a:t> </a:t>
+            </a:r>
+            <a:r>
+              <a:rPr lang="en-US" dirty="0" smtClean="0">
+                <a:solidFill>
+                  <a:schemeClr val="accent2"/>
+                </a:solidFill>
+                <a:latin typeface="Courier New" pitchFamily="49" charset="0"/>
+                <a:cs typeface="Courier New" pitchFamily="49" charset="0"/>
+              </a:rPr>
+              <a:t>= 22689;</a:t>
+            </a:r>
+          </a:p>
+          <a:p>
+            <a:pPr marL="0" indent="0">
+              <a:buNone/>
+            </a:pPr>
+            <a:r>
+              <a:rPr lang="en-US" dirty="0">
+                <a:solidFill>
+                  <a:schemeClr val="accent2"/>
+                </a:solidFill>
+                <a:latin typeface="Courier New" pitchFamily="49" charset="0"/>
+                <a:cs typeface="Courier New" pitchFamily="49" charset="0"/>
+              </a:rPr>
+              <a:t>h</a:t>
+            </a:r>
+            <a:r>
+              <a:rPr lang="en-US" dirty="0" smtClean="0">
+                <a:solidFill>
+                  <a:schemeClr val="accent2"/>
+                </a:solidFill>
+                <a:latin typeface="Courier New" pitchFamily="49" charset="0"/>
+                <a:cs typeface="Courier New" pitchFamily="49" charset="0"/>
+              </a:rPr>
+              <a:t> = </a:t>
+            </a:r>
+            <a:r>
+              <a:rPr lang="en-US" dirty="0" err="1" smtClean="0">
+                <a:solidFill>
+                  <a:schemeClr val="accent2"/>
+                </a:solidFill>
+                <a:latin typeface="Courier New" pitchFamily="49" charset="0"/>
+                <a:cs typeface="Courier New" pitchFamily="49" charset="0"/>
+              </a:rPr>
+              <a:t>bob.byte</a:t>
+            </a:r>
+            <a:r>
+              <a:rPr lang="en-US" dirty="0" smtClean="0">
+                <a:solidFill>
+                  <a:schemeClr val="accent2"/>
+                </a:solidFill>
+                <a:latin typeface="Courier New" pitchFamily="49" charset="0"/>
+                <a:cs typeface="Courier New" pitchFamily="49" charset="0"/>
+              </a:rPr>
+              <a:t>[1];  </a:t>
+            </a:r>
+            <a:r>
+              <a:rPr lang="en-US" dirty="0" smtClean="0">
+                <a:solidFill>
+                  <a:srgbClr val="00B050"/>
+                </a:solidFill>
+                <a:latin typeface="Courier New" pitchFamily="49" charset="0"/>
+                <a:cs typeface="Courier New" pitchFamily="49" charset="0"/>
+              </a:rPr>
+              <a:t>// this is: 88 </a:t>
+            </a:r>
+          </a:p>
+          <a:p>
+            <a:pPr marL="0" indent="0">
+              <a:buNone/>
+            </a:pPr>
+            <a:r>
+              <a:rPr lang="en-US" dirty="0">
+                <a:solidFill>
+                  <a:schemeClr val="accent2"/>
+                </a:solidFill>
+                <a:latin typeface="Courier New" pitchFamily="49" charset="0"/>
+                <a:cs typeface="Courier New" pitchFamily="49" charset="0"/>
+              </a:rPr>
+              <a:t>l</a:t>
+            </a:r>
+            <a:r>
+              <a:rPr lang="en-US" dirty="0" smtClean="0">
+                <a:solidFill>
+                  <a:schemeClr val="accent2"/>
+                </a:solidFill>
+                <a:latin typeface="Courier New" pitchFamily="49" charset="0"/>
+                <a:cs typeface="Courier New" pitchFamily="49" charset="0"/>
+              </a:rPr>
+              <a:t> = </a:t>
+            </a:r>
+            <a:r>
+              <a:rPr lang="en-US" dirty="0" err="1" smtClean="0">
+                <a:solidFill>
+                  <a:schemeClr val="accent2"/>
+                </a:solidFill>
+                <a:latin typeface="Courier New" pitchFamily="49" charset="0"/>
+                <a:cs typeface="Courier New" pitchFamily="49" charset="0"/>
+              </a:rPr>
+              <a:t>bob.byte</a:t>
+            </a:r>
+            <a:r>
+              <a:rPr lang="en-US" dirty="0" smtClean="0">
+                <a:solidFill>
+                  <a:schemeClr val="accent2"/>
+                </a:solidFill>
+                <a:latin typeface="Courier New" pitchFamily="49" charset="0"/>
+                <a:cs typeface="Courier New" pitchFamily="49" charset="0"/>
+              </a:rPr>
+              <a:t>[0];  </a:t>
+            </a:r>
+            <a:r>
+              <a:rPr lang="en-US" dirty="0" smtClean="0">
+                <a:solidFill>
+                  <a:srgbClr val="00B050"/>
+                </a:solidFill>
+                <a:latin typeface="Courier New" pitchFamily="49" charset="0"/>
+                <a:cs typeface="Courier New" pitchFamily="49" charset="0"/>
+              </a:rPr>
+              <a:t>// this is: 161</a:t>
+            </a:r>
+          </a:p>
+          <a:p>
+            <a:pPr marL="0" indent="0">
+              <a:buNone/>
+            </a:pPr>
+            <a:r>
+              <a:rPr lang="en-US" dirty="0" err="1">
+                <a:solidFill>
+                  <a:schemeClr val="accent2"/>
+                </a:solidFill>
+                <a:latin typeface="Courier New" pitchFamily="49" charset="0"/>
+                <a:cs typeface="Courier New" pitchFamily="49" charset="0"/>
+              </a:rPr>
+              <a:t>b</a:t>
+            </a:r>
+            <a:r>
+              <a:rPr lang="en-US" dirty="0" err="1" smtClean="0">
+                <a:solidFill>
+                  <a:schemeClr val="accent2"/>
+                </a:solidFill>
+                <a:latin typeface="Courier New" pitchFamily="49" charset="0"/>
+                <a:cs typeface="Courier New" pitchFamily="49" charset="0"/>
+              </a:rPr>
+              <a:t>ob.word</a:t>
+            </a:r>
+            <a:r>
+              <a:rPr lang="en-US" dirty="0" smtClean="0">
+                <a:solidFill>
+                  <a:schemeClr val="accent2"/>
+                </a:solidFill>
+                <a:latin typeface="Courier New" pitchFamily="49" charset="0"/>
+                <a:cs typeface="Courier New" pitchFamily="49" charset="0"/>
+              </a:rPr>
               <a:t>;  </a:t>
             </a:r>
             <a:r>
               <a:rPr lang="en-US" dirty="0" smtClean="0">
                 <a:solidFill>
+                  <a:schemeClr val="accent2"/>
+                </a:solidFill>
+                <a:latin typeface="Courier New" pitchFamily="49" charset="0"/>
+                <a:cs typeface="Courier New" pitchFamily="49" charset="0"/>
+              </a:rPr>
+              <a:t>       </a:t>
+            </a:r>
+            <a:r>
+              <a:rPr lang="en-US" dirty="0" smtClean="0">
+                <a:solidFill>
                   <a:srgbClr val="00B050"/>
                 </a:solidFill>
                 <a:latin typeface="Courier New" pitchFamily="49" charset="0"/>
                 <a:cs typeface="Courier New" pitchFamily="49" charset="0"/>
               </a:rPr>
-              <a:t>// this is: 88 </a:t>
-            </a:r>
+              <a:t>// 22689</a:t>
+            </a:r>
+            <a:endParaRPr lang="en-US" dirty="0">
+              <a:solidFill>
+                <a:srgbClr val="00B050"/>
+              </a:solidFill>
+              <a:latin typeface="Courier New" pitchFamily="49" charset="0"/>
+              <a:cs typeface="Courier New" pitchFamily="49" charset="0"/>
+            </a:endParaRPr>
           </a:p>
           <a:p>
             <a:pPr marL="0" indent="0">
               <a:buNone/>
             </a:pPr>
             <a:r>
-              <a:rPr lang="en-US" dirty="0" err="1" smtClean="0">
-                <a:solidFill>
-                  <a:schemeClr val="accent2"/>
-                </a:solidFill>
-                <a:latin typeface="Courier New" pitchFamily="49" charset="0"/>
-                <a:cs typeface="Courier New" pitchFamily="49" charset="0"/>
-              </a:rPr>
-              <a:t>bob.low</a:t>
-            </a:r>
-            <a:r>
               <a:rPr lang="en-US" dirty="0" smtClean="0">
                 <a:solidFill>
                   <a:schemeClr val="accent2"/>
@@ -7225,7 +7472,27 @@
                 <a:latin typeface="Courier New" pitchFamily="49" charset="0"/>
                 <a:cs typeface="Courier New" pitchFamily="49" charset="0"/>
               </a:rPr>
-              <a:t>;   </a:t>
+              <a:t>w = (h &lt;&lt; 8) + </a:t>
+            </a:r>
+            <a:r>
+              <a:rPr lang="en-US" smtClean="0">
+                <a:solidFill>
+                  <a:schemeClr val="accent2"/>
+                </a:solidFill>
+                <a:latin typeface="Courier New" pitchFamily="49" charset="0"/>
+                <a:cs typeface="Courier New" pitchFamily="49" charset="0"/>
+              </a:rPr>
+              <a:t>l  </a:t>
+            </a:r>
+            <a:r>
+              <a:rPr lang="en-US" smtClean="0">
+                <a:solidFill>
+                  <a:srgbClr val="00B050"/>
+                </a:solidFill>
+                <a:latin typeface="Courier New" pitchFamily="49" charset="0"/>
+                <a:cs typeface="Courier New" pitchFamily="49" charset="0"/>
+              </a:rPr>
+              <a:t>// </a:t>
             </a:r>
             <a:r>
               <a:rPr lang="en-US" dirty="0" smtClean="0">
@@ -7235,52 +7502,7 @@
                 <a:latin typeface="Courier New" pitchFamily="49" charset="0"/>
                 <a:cs typeface="Courier New" pitchFamily="49" charset="0"/>
               </a:rPr>
-              <a:t>// this is: 161</a:t>
-            </a:r>
-          </a:p>
-          <a:p>
-            <a:pPr marL="0" indent="0">
-              <a:buNone/>
-            </a:pPr>
-            <a:r>
-              <a:rPr lang="en-US" dirty="0" err="1">
-                <a:solidFill>
-                  <a:schemeClr val="accent2"/>
-                </a:solidFill>
-                <a:latin typeface="Courier New" pitchFamily="49" charset="0"/>
-                <a:cs typeface="Courier New" pitchFamily="49" charset="0"/>
-              </a:rPr>
-              <a:t>b</a:t>
-            </a:r>
-            <a:r>
-              <a:rPr lang="en-US" dirty="0" err="1" smtClean="0">
-                <a:solidFill>
-                  <a:schemeClr val="accent2"/>
-                </a:solidFill>
-                <a:latin typeface="Courier New" pitchFamily="49" charset="0"/>
-                <a:cs typeface="Courier New" pitchFamily="49" charset="0"/>
-              </a:rPr>
-              <a:t>ob.word</a:t>
-            </a:r>
-            <a:r>
-              <a:rPr lang="en-US" dirty="0" smtClean="0">
-                <a:solidFill>
-                  <a:schemeClr val="accent2"/>
-                </a:solidFill>
-                <a:latin typeface="Courier New" pitchFamily="49" charset="0"/>
-                <a:cs typeface="Courier New" pitchFamily="49" charset="0"/>
-              </a:rPr>
-              <a:t>;  </a:t>
-            </a:r>
-            <a:r>
-              <a:rPr lang="en-US" dirty="0" smtClean="0">
-                <a:solidFill>
-                  <a:srgbClr val="00B050"/>
-                </a:solidFill>
-                <a:latin typeface="Courier New" pitchFamily="49" charset="0"/>
-                <a:cs typeface="Courier New" pitchFamily="49" charset="0"/>
-              </a:rPr>
-              <a:t>// 22689</a:t>
+              <a:t>22689</a:t>
             </a:r>
             <a:endParaRPr lang="en-US" dirty="0">
               <a:solidFill>
@@ -7375,6 +7597,1060 @@
 </file>
 
 <file path=ppt/slides/slide11.xml><?xml version="1.0" encoding="utf-8"?>
+<p:sld xmlns:a="http://schemas.openxmlformats.org/drawingml/2006/main" xmlns:r="http://schemas.openxmlformats.org/officeDocument/2006/relationships" xmlns:p="http://schemas.openxmlformats.org/presentationml/2006/main">
+  <p:cSld>
+    <p:spTree>
+      <p:nvGrpSpPr>
+        <p:cNvPr id="1" name=""/>
+        <p:cNvGrpSpPr/>
+        <p:nvPr/>
+      </p:nvGrpSpPr>
+      <p:grpSpPr>
+        <a:xfrm>
+          <a:off x="0" y="0"/>
+          <a:ext cx="0" cy="0"/>
+          <a:chOff x="0" y="0"/>
+          <a:chExt cx="0" cy="0"/>
+        </a:xfrm>
+      </p:grpSpPr>
+      <p:sp>
+        <p:nvSpPr>
+          <p:cNvPr id="2" name="Title 1"/>
+          <p:cNvSpPr>
+            <a:spLocks noGrp="1"/>
+          </p:cNvSpPr>
+          <p:nvPr>
+            <p:ph type="title"/>
+          </p:nvPr>
+        </p:nvSpPr>
+        <p:spPr/>
+        <p:txBody>
+          <a:bodyPr/>
+          <a:lstStyle/>
+          <a:p>
+            <a:r>
+              <a:rPr lang="en-US" b="1" dirty="0" smtClean="0"/>
+              <a:t>C Language:  Practice</a:t>
+            </a:r>
+            <a:endParaRPr lang="en-US" dirty="0"/>
+          </a:p>
+        </p:txBody>
+      </p:sp>
+      <p:sp>
+        <p:nvSpPr>
+          <p:cNvPr id="3" name="Content Placeholder 2"/>
+          <p:cNvSpPr>
+            <a:spLocks noGrp="1"/>
+          </p:cNvSpPr>
+          <p:nvPr>
+            <p:ph idx="1"/>
+          </p:nvPr>
+        </p:nvSpPr>
+        <p:spPr>
+          <a:xfrm>
+            <a:off x="348338" y="1592317"/>
+            <a:ext cx="8698557" cy="5002692"/>
+          </a:xfrm>
+        </p:spPr>
+        <p:txBody>
+          <a:bodyPr/>
+          <a:lstStyle/>
+          <a:p>
+            <a:pPr marL="0" indent="0">
+              <a:buNone/>
+            </a:pPr>
+            <a:r>
+              <a:rPr lang="en-US" sz="1400" b="1" dirty="0">
+                <a:latin typeface="Courier New" pitchFamily="49" charset="0"/>
+                <a:cs typeface="Courier New" pitchFamily="49" charset="0"/>
+              </a:rPr>
+              <a:t>u</a:t>
+            </a:r>
+            <a:r>
+              <a:rPr lang="en-US" sz="1400" b="1" dirty="0" smtClean="0">
+                <a:latin typeface="Courier New" pitchFamily="49" charset="0"/>
+                <a:cs typeface="Courier New" pitchFamily="49" charset="0"/>
+              </a:rPr>
+              <a:t>int8_t x = 0xFF;     </a:t>
+            </a:r>
+            <a:r>
+              <a:rPr lang="en-US" sz="1400" b="1" dirty="0" smtClean="0">
+                <a:solidFill>
+                  <a:srgbClr val="00B050"/>
+                </a:solidFill>
+                <a:latin typeface="Courier New" pitchFamily="49" charset="0"/>
+                <a:cs typeface="Courier New" pitchFamily="49" charset="0"/>
+              </a:rPr>
+              <a:t>// </a:t>
+            </a:r>
+            <a:r>
+              <a:rPr lang="en-US" sz="1400" b="1" dirty="0">
+                <a:solidFill>
+                  <a:srgbClr val="00B050"/>
+                </a:solidFill>
+                <a:latin typeface="Courier New" pitchFamily="49" charset="0"/>
+                <a:cs typeface="Courier New" pitchFamily="49" charset="0"/>
+              </a:rPr>
+              <a:t>Memory location 0x0800 = 0xFF</a:t>
+            </a:r>
+          </a:p>
+          <a:p>
+            <a:pPr marL="0" indent="0">
+              <a:buNone/>
+            </a:pPr>
+            <a:r>
+              <a:rPr lang="en-US" sz="1400" b="1" dirty="0">
+                <a:latin typeface="Courier New" pitchFamily="49" charset="0"/>
+                <a:cs typeface="Courier New" pitchFamily="49" charset="0"/>
+              </a:rPr>
+              <a:t>u</a:t>
+            </a:r>
+            <a:r>
+              <a:rPr lang="en-US" sz="1400" b="1" dirty="0" smtClean="0">
+                <a:latin typeface="Courier New" pitchFamily="49" charset="0"/>
+                <a:cs typeface="Courier New" pitchFamily="49" charset="0"/>
+              </a:rPr>
+              <a:t>int8_t </a:t>
+            </a:r>
+            <a:r>
+              <a:rPr lang="en-US" sz="1400" b="1" dirty="0">
+                <a:latin typeface="Courier New" pitchFamily="49" charset="0"/>
+                <a:cs typeface="Courier New" pitchFamily="49" charset="0"/>
+              </a:rPr>
+              <a:t>y[3</a:t>
+            </a:r>
+            <a:r>
+              <a:rPr lang="en-US" sz="1400" b="1" dirty="0" smtClean="0">
+                <a:latin typeface="Courier New" pitchFamily="49" charset="0"/>
+                <a:cs typeface="Courier New" pitchFamily="49" charset="0"/>
+              </a:rPr>
+              <a:t>] = {0x23,0x56,0x89};  </a:t>
+            </a:r>
+            <a:r>
+              <a:rPr lang="en-US" sz="1400" b="1" dirty="0" smtClean="0">
+                <a:solidFill>
+                  <a:srgbClr val="00B050"/>
+                </a:solidFill>
+                <a:latin typeface="Courier New" pitchFamily="49" charset="0"/>
+                <a:cs typeface="Courier New" pitchFamily="49" charset="0"/>
+              </a:rPr>
+              <a:t>// starts at memory location </a:t>
+            </a:r>
+            <a:r>
+              <a:rPr lang="en-US" sz="1400" b="1" dirty="0">
+                <a:solidFill>
+                  <a:srgbClr val="00B050"/>
+                </a:solidFill>
+                <a:latin typeface="Courier New" pitchFamily="49" charset="0"/>
+                <a:cs typeface="Courier New" pitchFamily="49" charset="0"/>
+              </a:rPr>
+              <a:t>0x0801 </a:t>
+            </a:r>
+            <a:endParaRPr lang="en-US" sz="1400" b="1" dirty="0" smtClean="0">
+              <a:solidFill>
+                <a:srgbClr val="00B050"/>
+              </a:solidFill>
+              <a:latin typeface="Courier New" pitchFamily="49" charset="0"/>
+              <a:cs typeface="Courier New" pitchFamily="49" charset="0"/>
+            </a:endParaRPr>
+          </a:p>
+          <a:p>
+            <a:pPr marL="0" indent="0">
+              <a:buNone/>
+            </a:pPr>
+            <a:r>
+              <a:rPr lang="en-US" sz="1400" b="1" dirty="0">
+                <a:latin typeface="Courier New" pitchFamily="49" charset="0"/>
+                <a:cs typeface="Courier New" pitchFamily="49" charset="0"/>
+              </a:rPr>
+              <a:t>u</a:t>
+            </a:r>
+            <a:r>
+              <a:rPr lang="en-US" sz="1400" b="1" dirty="0" smtClean="0">
+                <a:latin typeface="Courier New" pitchFamily="49" charset="0"/>
+                <a:cs typeface="Courier New" pitchFamily="49" charset="0"/>
+              </a:rPr>
+              <a:t>int8_t* </a:t>
+            </a:r>
+            <a:r>
+              <a:rPr lang="en-US" sz="1400" b="1" dirty="0" err="1" smtClean="0">
+                <a:latin typeface="Courier New" pitchFamily="49" charset="0"/>
+                <a:cs typeface="Courier New" pitchFamily="49" charset="0"/>
+              </a:rPr>
+              <a:t>letter_ptr</a:t>
+            </a:r>
+            <a:r>
+              <a:rPr lang="en-US" sz="1400" b="1" dirty="0" smtClean="0">
+                <a:latin typeface="Courier New" pitchFamily="49" charset="0"/>
+                <a:cs typeface="Courier New" pitchFamily="49" charset="0"/>
+              </a:rPr>
+              <a:t> = 0;        </a:t>
+            </a:r>
+            <a:r>
+              <a:rPr lang="en-US" sz="1400" b="1" dirty="0" smtClean="0">
+                <a:solidFill>
+                  <a:srgbClr val="00B050"/>
+                </a:solidFill>
+                <a:latin typeface="Courier New" pitchFamily="49" charset="0"/>
+                <a:cs typeface="Courier New" pitchFamily="49" charset="0"/>
+              </a:rPr>
+              <a:t>// </a:t>
+            </a:r>
+            <a:r>
+              <a:rPr lang="en-US" sz="1400" b="1" dirty="0">
+                <a:solidFill>
+                  <a:srgbClr val="00B050"/>
+                </a:solidFill>
+                <a:latin typeface="Courier New" pitchFamily="49" charset="0"/>
+                <a:cs typeface="Courier New" pitchFamily="49" charset="0"/>
+              </a:rPr>
+              <a:t>Memory locations: 0x0804 - 0x0805 </a:t>
+            </a:r>
+            <a:endParaRPr lang="en-US" sz="1400" b="1" dirty="0" smtClean="0">
+              <a:solidFill>
+                <a:srgbClr val="00B050"/>
+              </a:solidFill>
+              <a:latin typeface="Courier New" pitchFamily="49" charset="0"/>
+              <a:cs typeface="Courier New" pitchFamily="49" charset="0"/>
+            </a:endParaRPr>
+          </a:p>
+          <a:p>
+            <a:pPr marL="0" indent="0">
+              <a:buNone/>
+            </a:pPr>
+            <a:r>
+              <a:rPr lang="en-US" sz="1400" b="1" dirty="0" err="1" smtClean="0">
+                <a:latin typeface="Courier New" pitchFamily="49" charset="0"/>
+                <a:cs typeface="Courier New" pitchFamily="49" charset="0"/>
+              </a:rPr>
+              <a:t>letter_ptr</a:t>
+            </a:r>
+            <a:r>
+              <a:rPr lang="en-US" sz="1400" b="1" dirty="0" smtClean="0">
+                <a:latin typeface="Courier New" pitchFamily="49" charset="0"/>
+                <a:cs typeface="Courier New" pitchFamily="49" charset="0"/>
+              </a:rPr>
+              <a:t> = 0xABCD;</a:t>
+            </a:r>
+          </a:p>
+          <a:p>
+            <a:pPr marL="0" indent="0">
+              <a:buNone/>
+            </a:pPr>
+            <a:endParaRPr lang="en-US" sz="1400" b="1" dirty="0">
+              <a:latin typeface="Courier New" pitchFamily="49" charset="0"/>
+              <a:cs typeface="Courier New" pitchFamily="49" charset="0"/>
+            </a:endParaRPr>
+          </a:p>
+          <a:p>
+            <a:pPr marL="0" indent="0">
+              <a:buNone/>
+            </a:pPr>
+            <a:r>
+              <a:rPr lang="en-US" sz="1400" b="1" dirty="0"/>
+              <a:t>Question: </a:t>
+            </a:r>
+            <a:r>
+              <a:rPr lang="en-US" sz="1400" dirty="0"/>
+              <a:t>What values would be assigned using the following statements? </a:t>
+            </a:r>
+            <a:endParaRPr lang="en-US" sz="1400" dirty="0" smtClean="0"/>
+          </a:p>
+          <a:p>
+            <a:pPr marL="0" indent="0">
+              <a:buNone/>
+            </a:pPr>
+            <a:r>
+              <a:rPr lang="en-US" sz="1400" b="1" dirty="0">
+                <a:solidFill>
+                  <a:srgbClr val="00B050"/>
+                </a:solidFill>
+                <a:latin typeface="Courier New" pitchFamily="49" charset="0"/>
+                <a:cs typeface="Courier New" pitchFamily="49" charset="0"/>
+              </a:rPr>
+              <a:t>// </a:t>
+            </a:r>
+            <a:r>
+              <a:rPr lang="en-US" sz="1400" b="1" dirty="0">
+                <a:solidFill>
+                  <a:srgbClr val="FF0000"/>
+                </a:solidFill>
+                <a:latin typeface="Courier New" pitchFamily="49" charset="0"/>
+                <a:cs typeface="Courier New" pitchFamily="49" charset="0"/>
+              </a:rPr>
+              <a:t>Questions are independent </a:t>
+            </a:r>
+            <a:r>
+              <a:rPr lang="en-US" sz="1400" b="1" dirty="0">
+                <a:solidFill>
+                  <a:srgbClr val="00B050"/>
+                </a:solidFill>
+                <a:latin typeface="Courier New" pitchFamily="49" charset="0"/>
+                <a:cs typeface="Courier New" pitchFamily="49" charset="0"/>
+              </a:rPr>
+              <a:t>- reset </a:t>
+            </a:r>
+            <a:r>
+              <a:rPr lang="en-US" sz="1400" b="1" dirty="0" smtClean="0">
+                <a:solidFill>
+                  <a:srgbClr val="00B050"/>
+                </a:solidFill>
+                <a:latin typeface="Courier New" pitchFamily="49" charset="0"/>
+                <a:cs typeface="Courier New" pitchFamily="49" charset="0"/>
+              </a:rPr>
+              <a:t>variables </a:t>
+            </a:r>
+            <a:r>
+              <a:rPr lang="en-US" sz="1400" b="1" dirty="0">
+                <a:solidFill>
+                  <a:srgbClr val="00B050"/>
+                </a:solidFill>
+                <a:latin typeface="Courier New" pitchFamily="49" charset="0"/>
+                <a:cs typeface="Courier New" pitchFamily="49" charset="0"/>
+              </a:rPr>
+              <a:t>to original state</a:t>
+            </a:r>
+            <a:endParaRPr lang="en-US" sz="1400" b="1" dirty="0">
+              <a:solidFill>
+                <a:schemeClr val="accent2"/>
+              </a:solidFill>
+              <a:latin typeface="Courier New" pitchFamily="49" charset="0"/>
+              <a:cs typeface="Courier New" pitchFamily="49" charset="0"/>
+            </a:endParaRPr>
+          </a:p>
+          <a:p>
+            <a:pPr marL="0" indent="0">
+              <a:buNone/>
+            </a:pPr>
+            <a:endParaRPr lang="fr-FR" sz="1400" b="1" dirty="0" smtClean="0">
+              <a:solidFill>
+                <a:schemeClr val="accent2"/>
+              </a:solidFill>
+              <a:latin typeface="Courier New" pitchFamily="49" charset="0"/>
+              <a:cs typeface="Courier New" pitchFamily="49" charset="0"/>
+            </a:endParaRPr>
+          </a:p>
+          <a:p>
+            <a:pPr marL="0" indent="0">
+              <a:buNone/>
+            </a:pPr>
+            <a:r>
+              <a:rPr lang="fr-FR" sz="1400" b="1" dirty="0" smtClean="0">
+                <a:solidFill>
+                  <a:schemeClr val="accent2"/>
+                </a:solidFill>
+                <a:latin typeface="Courier New" pitchFamily="49" charset="0"/>
+                <a:cs typeface="Courier New" pitchFamily="49" charset="0"/>
+              </a:rPr>
+              <a:t>x </a:t>
+            </a:r>
+            <a:r>
+              <a:rPr lang="fr-FR" sz="1400" b="1" dirty="0">
+                <a:solidFill>
+                  <a:schemeClr val="accent2"/>
+                </a:solidFill>
+                <a:latin typeface="Courier New" pitchFamily="49" charset="0"/>
+                <a:cs typeface="Courier New" pitchFamily="49" charset="0"/>
+              </a:rPr>
+              <a:t>= y[2]; </a:t>
+            </a:r>
+            <a:r>
+              <a:rPr lang="fr-FR" sz="1400" b="1" dirty="0" smtClean="0">
+                <a:solidFill>
+                  <a:schemeClr val="accent2"/>
+                </a:solidFill>
+                <a:latin typeface="Courier New" pitchFamily="49" charset="0"/>
+                <a:cs typeface="Courier New" pitchFamily="49" charset="0"/>
+              </a:rPr>
+              <a:t>                      </a:t>
+            </a:r>
+            <a:endParaRPr lang="fr-FR" sz="1400" b="1" dirty="0" smtClean="0">
+              <a:solidFill>
+                <a:srgbClr val="00B050"/>
+              </a:solidFill>
+              <a:latin typeface="Courier New" pitchFamily="49" charset="0"/>
+              <a:cs typeface="Courier New" pitchFamily="49" charset="0"/>
+            </a:endParaRPr>
+          </a:p>
+          <a:p>
+            <a:pPr marL="0" indent="0">
+              <a:buNone/>
+            </a:pPr>
+            <a:endParaRPr lang="fr-FR" sz="1400" b="1" dirty="0" smtClean="0">
+              <a:solidFill>
+                <a:schemeClr val="accent2"/>
+              </a:solidFill>
+              <a:latin typeface="Courier New" pitchFamily="49" charset="0"/>
+              <a:cs typeface="Courier New" pitchFamily="49" charset="0"/>
+            </a:endParaRPr>
+          </a:p>
+          <a:p>
+            <a:pPr marL="0" indent="0">
+              <a:buNone/>
+            </a:pPr>
+            <a:r>
+              <a:rPr lang="fr-FR" sz="1400" b="1" dirty="0" err="1" smtClean="0">
+                <a:solidFill>
+                  <a:schemeClr val="accent2"/>
+                </a:solidFill>
+                <a:latin typeface="Courier New" pitchFamily="49" charset="0"/>
+                <a:cs typeface="Courier New" pitchFamily="49" charset="0"/>
+              </a:rPr>
+              <a:t>letter_ptr</a:t>
+            </a:r>
+            <a:r>
+              <a:rPr lang="fr-FR" sz="1400" b="1" dirty="0" smtClean="0">
+                <a:solidFill>
+                  <a:schemeClr val="accent2"/>
+                </a:solidFill>
+                <a:latin typeface="Courier New" pitchFamily="49" charset="0"/>
+                <a:cs typeface="Courier New" pitchFamily="49" charset="0"/>
+              </a:rPr>
+              <a:t> </a:t>
+            </a:r>
+            <a:r>
+              <a:rPr lang="fr-FR" sz="1400" b="1" dirty="0">
+                <a:solidFill>
+                  <a:schemeClr val="accent2"/>
+                </a:solidFill>
+                <a:latin typeface="Courier New" pitchFamily="49" charset="0"/>
+                <a:cs typeface="Courier New" pitchFamily="49" charset="0"/>
+              </a:rPr>
+              <a:t>= y;                 </a:t>
+            </a:r>
+            <a:endParaRPr lang="fr-FR" sz="1400" b="1" dirty="0">
+              <a:solidFill>
+                <a:srgbClr val="00B050"/>
+              </a:solidFill>
+              <a:latin typeface="Courier New" pitchFamily="49" charset="0"/>
+              <a:cs typeface="Courier New" pitchFamily="49" charset="0"/>
+            </a:endParaRPr>
+          </a:p>
+          <a:p>
+            <a:pPr marL="0" indent="0">
+              <a:buNone/>
+            </a:pPr>
+            <a:r>
+              <a:rPr lang="fr-FR" sz="1400" b="1" dirty="0">
+                <a:solidFill>
+                  <a:schemeClr val="accent2"/>
+                </a:solidFill>
+                <a:latin typeface="Courier New" pitchFamily="49" charset="0"/>
+                <a:cs typeface="Courier New" pitchFamily="49" charset="0"/>
+              </a:rPr>
+              <a:t>x = *(</a:t>
+            </a:r>
+            <a:r>
+              <a:rPr lang="fr-FR" sz="1400" b="1" dirty="0" err="1">
+                <a:solidFill>
+                  <a:schemeClr val="accent2"/>
+                </a:solidFill>
+                <a:latin typeface="Courier New" pitchFamily="49" charset="0"/>
+                <a:cs typeface="Courier New" pitchFamily="49" charset="0"/>
+              </a:rPr>
+              <a:t>letter_ptr</a:t>
+            </a:r>
+            <a:r>
+              <a:rPr lang="fr-FR" sz="1400" b="1" dirty="0">
+                <a:solidFill>
+                  <a:schemeClr val="accent2"/>
+                </a:solidFill>
+                <a:latin typeface="Courier New" pitchFamily="49" charset="0"/>
+                <a:cs typeface="Courier New" pitchFamily="49" charset="0"/>
+              </a:rPr>
+              <a:t> + </a:t>
+            </a:r>
+            <a:r>
+              <a:rPr lang="fr-FR" sz="1400" b="1" dirty="0" smtClean="0">
+                <a:solidFill>
+                  <a:schemeClr val="accent2"/>
+                </a:solidFill>
+                <a:latin typeface="Courier New" pitchFamily="49" charset="0"/>
+                <a:cs typeface="Courier New" pitchFamily="49" charset="0"/>
+              </a:rPr>
+              <a:t>1);          </a:t>
+            </a:r>
+            <a:endParaRPr lang="fr-FR" sz="1400" b="1" dirty="0" smtClean="0">
+              <a:solidFill>
+                <a:srgbClr val="00B050"/>
+              </a:solidFill>
+              <a:latin typeface="Courier New" pitchFamily="49" charset="0"/>
+              <a:cs typeface="Courier New" pitchFamily="49" charset="0"/>
+            </a:endParaRPr>
+          </a:p>
+          <a:p>
+            <a:pPr marL="0" indent="0">
+              <a:buNone/>
+            </a:pPr>
+            <a:endParaRPr lang="fr-FR" sz="1400" b="1" dirty="0">
+              <a:solidFill>
+                <a:srgbClr val="00B050"/>
+              </a:solidFill>
+              <a:latin typeface="Courier New" pitchFamily="49" charset="0"/>
+              <a:cs typeface="Courier New" pitchFamily="49" charset="0"/>
+            </a:endParaRPr>
+          </a:p>
+          <a:p>
+            <a:pPr marL="0" indent="0">
+              <a:buNone/>
+            </a:pPr>
+            <a:r>
+              <a:rPr lang="fr-FR" sz="1400" b="1" dirty="0" err="1" smtClean="0">
+                <a:solidFill>
+                  <a:schemeClr val="accent2"/>
+                </a:solidFill>
+                <a:latin typeface="Courier New" pitchFamily="49" charset="0"/>
+                <a:cs typeface="Courier New" pitchFamily="49" charset="0"/>
+              </a:rPr>
+              <a:t>letter_ptr</a:t>
+            </a:r>
+            <a:r>
+              <a:rPr lang="fr-FR" sz="1400" b="1" dirty="0" smtClean="0">
+                <a:solidFill>
+                  <a:schemeClr val="accent2"/>
+                </a:solidFill>
+                <a:latin typeface="Courier New" pitchFamily="49" charset="0"/>
+                <a:cs typeface="Courier New" pitchFamily="49" charset="0"/>
+              </a:rPr>
+              <a:t> </a:t>
+            </a:r>
+            <a:r>
+              <a:rPr lang="fr-FR" sz="1400" b="1" dirty="0">
+                <a:solidFill>
+                  <a:schemeClr val="accent2"/>
+                </a:solidFill>
+                <a:latin typeface="Courier New" pitchFamily="49" charset="0"/>
+                <a:cs typeface="Courier New" pitchFamily="49" charset="0"/>
+              </a:rPr>
+              <a:t>= &amp;x;</a:t>
+            </a:r>
+            <a:endParaRPr lang="fr-FR" sz="1400" b="1" dirty="0">
+              <a:solidFill>
+                <a:srgbClr val="00B050"/>
+              </a:solidFill>
+              <a:latin typeface="Courier New" pitchFamily="49" charset="0"/>
+              <a:cs typeface="Courier New" pitchFamily="49" charset="0"/>
+            </a:endParaRPr>
+          </a:p>
+          <a:p>
+            <a:pPr marL="0" indent="0">
+              <a:buNone/>
+            </a:pPr>
+            <a:r>
+              <a:rPr lang="fr-FR" sz="1400" b="1" dirty="0">
+                <a:solidFill>
+                  <a:schemeClr val="accent2"/>
+                </a:solidFill>
+                <a:latin typeface="Courier New" pitchFamily="49" charset="0"/>
+                <a:cs typeface="Courier New" pitchFamily="49" charset="0"/>
+              </a:rPr>
+              <a:t>y[2] = *(</a:t>
+            </a:r>
+            <a:r>
+              <a:rPr lang="fr-FR" sz="1400" b="1" dirty="0" err="1">
+                <a:solidFill>
+                  <a:schemeClr val="accent2"/>
+                </a:solidFill>
+                <a:latin typeface="Courier New" pitchFamily="49" charset="0"/>
+                <a:cs typeface="Courier New" pitchFamily="49" charset="0"/>
+              </a:rPr>
+              <a:t>letter_ptr</a:t>
+            </a:r>
+            <a:r>
+              <a:rPr lang="fr-FR" sz="1400" b="1" dirty="0">
+                <a:solidFill>
+                  <a:schemeClr val="accent2"/>
+                </a:solidFill>
+                <a:latin typeface="Courier New" pitchFamily="49" charset="0"/>
+                <a:cs typeface="Courier New" pitchFamily="49" charset="0"/>
+              </a:rPr>
+              <a:t> + 1);       </a:t>
+            </a:r>
+            <a:endParaRPr lang="en-US" sz="1400" b="1" dirty="0">
+              <a:solidFill>
+                <a:srgbClr val="00B050"/>
+              </a:solidFill>
+              <a:latin typeface="Courier New" pitchFamily="49" charset="0"/>
+              <a:cs typeface="Courier New" pitchFamily="49" charset="0"/>
+            </a:endParaRPr>
+          </a:p>
+        </p:txBody>
+      </p:sp>
+      <p:graphicFrame>
+        <p:nvGraphicFramePr>
+          <p:cNvPr id="8" name="Table 7"/>
+          <p:cNvGraphicFramePr>
+            <a:graphicFrameLocks noGrp="1"/>
+          </p:cNvGraphicFramePr>
+          <p:nvPr>
+            <p:extLst>
+              <p:ext uri="{D42A27DB-BD31-4B8C-83A1-F6EECF244321}">
+                <p14:modId xmlns:p14="http://schemas.microsoft.com/office/powerpoint/2010/main" val="2260190366"/>
+              </p:ext>
+            </p:extLst>
+          </p:nvPr>
+        </p:nvGraphicFramePr>
+        <p:xfrm>
+          <a:off x="6737804" y="3497145"/>
+          <a:ext cx="2032000" cy="2595880"/>
+        </p:xfrm>
+        <a:graphic>
+          <a:graphicData uri="http://schemas.openxmlformats.org/drawingml/2006/table">
+            <a:tbl>
+              <a:tblPr firstRow="1" bandRow="1">
+                <a:tableStyleId>{21E4AEA4-8DFA-4A89-87EB-49C32662AFE0}</a:tableStyleId>
+              </a:tblPr>
+              <a:tblGrid>
+                <a:gridCol w="1016000"/>
+                <a:gridCol w="1016000"/>
+              </a:tblGrid>
+              <a:tr h="370840">
+                <a:tc>
+                  <a:txBody>
+                    <a:bodyPr/>
+                    <a:lstStyle/>
+                    <a:p>
+                      <a:pPr algn="ctr"/>
+                      <a:r>
+                        <a:rPr lang="en-US" dirty="0" err="1" smtClean="0"/>
+                        <a:t>Addr</a:t>
+                      </a:r>
+                      <a:endParaRPr lang="en-US" dirty="0"/>
+                    </a:p>
+                  </a:txBody>
+                  <a:tcPr/>
+                </a:tc>
+                <a:tc>
+                  <a:txBody>
+                    <a:bodyPr/>
+                    <a:lstStyle/>
+                    <a:p>
+                      <a:pPr algn="ctr"/>
+                      <a:r>
+                        <a:rPr lang="en-US" dirty="0" smtClean="0"/>
+                        <a:t>Value</a:t>
+                      </a:r>
+                      <a:endParaRPr lang="en-US" dirty="0"/>
+                    </a:p>
+                  </a:txBody>
+                  <a:tcPr/>
+                </a:tc>
+              </a:tr>
+              <a:tr h="370840">
+                <a:tc>
+                  <a:txBody>
+                    <a:bodyPr/>
+                    <a:lstStyle/>
+                    <a:p>
+                      <a:pPr algn="ctr"/>
+                      <a:r>
+                        <a:rPr lang="en-US" dirty="0" smtClean="0"/>
+                        <a:t>0x800</a:t>
+                      </a:r>
+                      <a:endParaRPr lang="en-US" dirty="0"/>
+                    </a:p>
+                  </a:txBody>
+                  <a:tcPr/>
+                </a:tc>
+                <a:tc>
+                  <a:txBody>
+                    <a:bodyPr/>
+                    <a:lstStyle/>
+                    <a:p>
+                      <a:pPr algn="ctr"/>
+                      <a:endParaRPr lang="en-US" dirty="0"/>
+                    </a:p>
+                  </a:txBody>
+                  <a:tcPr/>
+                </a:tc>
+              </a:tr>
+              <a:tr h="370840">
+                <a:tc>
+                  <a:txBody>
+                    <a:bodyPr/>
+                    <a:lstStyle/>
+                    <a:p>
+                      <a:pPr algn="ctr"/>
+                      <a:r>
+                        <a:rPr lang="en-US" dirty="0" smtClean="0"/>
+                        <a:t>0x801</a:t>
+                      </a:r>
+                      <a:endParaRPr lang="en-US" dirty="0"/>
+                    </a:p>
+                  </a:txBody>
+                  <a:tcPr/>
+                </a:tc>
+                <a:tc>
+                  <a:txBody>
+                    <a:bodyPr/>
+                    <a:lstStyle/>
+                    <a:p>
+                      <a:pPr algn="ctr"/>
+                      <a:endParaRPr lang="en-US" dirty="0"/>
+                    </a:p>
+                  </a:txBody>
+                  <a:tcPr/>
+                </a:tc>
+              </a:tr>
+              <a:tr h="370840">
+                <a:tc>
+                  <a:txBody>
+                    <a:bodyPr/>
+                    <a:lstStyle/>
+                    <a:p>
+                      <a:pPr algn="ctr"/>
+                      <a:r>
+                        <a:rPr lang="en-US" dirty="0" smtClean="0"/>
+                        <a:t>0x802</a:t>
+                      </a:r>
+                      <a:endParaRPr lang="en-US" dirty="0"/>
+                    </a:p>
+                  </a:txBody>
+                  <a:tcPr/>
+                </a:tc>
+                <a:tc>
+                  <a:txBody>
+                    <a:bodyPr/>
+                    <a:lstStyle/>
+                    <a:p>
+                      <a:pPr algn="ctr"/>
+                      <a:endParaRPr lang="en-US" dirty="0"/>
+                    </a:p>
+                  </a:txBody>
+                  <a:tcPr/>
+                </a:tc>
+              </a:tr>
+              <a:tr h="370840">
+                <a:tc>
+                  <a:txBody>
+                    <a:bodyPr/>
+                    <a:lstStyle/>
+                    <a:p>
+                      <a:pPr algn="ctr"/>
+                      <a:r>
+                        <a:rPr lang="en-US" dirty="0" smtClean="0"/>
+                        <a:t>0x803</a:t>
+                      </a:r>
+                      <a:endParaRPr lang="en-US" dirty="0"/>
+                    </a:p>
+                  </a:txBody>
+                  <a:tcPr/>
+                </a:tc>
+                <a:tc>
+                  <a:txBody>
+                    <a:bodyPr/>
+                    <a:lstStyle/>
+                    <a:p>
+                      <a:pPr algn="ctr"/>
+                      <a:endParaRPr lang="en-US" dirty="0"/>
+                    </a:p>
+                  </a:txBody>
+                  <a:tcPr/>
+                </a:tc>
+              </a:tr>
+              <a:tr h="370840">
+                <a:tc>
+                  <a:txBody>
+                    <a:bodyPr/>
+                    <a:lstStyle/>
+                    <a:p>
+                      <a:pPr marL="0" marR="0" indent="0" algn="ctr" defTabSz="914400" rtl="0" eaLnBrk="1" fontAlgn="auto" latinLnBrk="0" hangingPunct="1">
+                        <a:lnSpc>
+                          <a:spcPct val="100000"/>
+                        </a:lnSpc>
+                        <a:spcBef>
+                          <a:spcPts val="0"/>
+                        </a:spcBef>
+                        <a:spcAft>
+                          <a:spcPts val="0"/>
+                        </a:spcAft>
+                        <a:buClrTx/>
+                        <a:buSzTx/>
+                        <a:buFontTx/>
+                        <a:buNone/>
+                        <a:tabLst/>
+                        <a:defRPr/>
+                      </a:pPr>
+                      <a:r>
+                        <a:rPr lang="en-US" dirty="0" smtClean="0"/>
+                        <a:t>0x804</a:t>
+                      </a:r>
+                    </a:p>
+                  </a:txBody>
+                  <a:tcPr/>
+                </a:tc>
+                <a:tc>
+                  <a:txBody>
+                    <a:bodyPr/>
+                    <a:lstStyle/>
+                    <a:p>
+                      <a:pPr algn="ctr"/>
+                      <a:endParaRPr lang="en-US" dirty="0"/>
+                    </a:p>
+                  </a:txBody>
+                  <a:tcPr/>
+                </a:tc>
+              </a:tr>
+              <a:tr h="370840">
+                <a:tc>
+                  <a:txBody>
+                    <a:bodyPr/>
+                    <a:lstStyle/>
+                    <a:p>
+                      <a:pPr marL="0" marR="0" indent="0" algn="ctr" defTabSz="914400" rtl="0" eaLnBrk="1" fontAlgn="auto" latinLnBrk="0" hangingPunct="1">
+                        <a:lnSpc>
+                          <a:spcPct val="100000"/>
+                        </a:lnSpc>
+                        <a:spcBef>
+                          <a:spcPts val="0"/>
+                        </a:spcBef>
+                        <a:spcAft>
+                          <a:spcPts val="0"/>
+                        </a:spcAft>
+                        <a:buClrTx/>
+                        <a:buSzTx/>
+                        <a:buFontTx/>
+                        <a:buNone/>
+                        <a:tabLst/>
+                        <a:defRPr/>
+                      </a:pPr>
+                      <a:r>
+                        <a:rPr lang="en-US" dirty="0" smtClean="0"/>
+                        <a:t>0x805</a:t>
+                      </a:r>
+                    </a:p>
+                  </a:txBody>
+                  <a:tcPr/>
+                </a:tc>
+                <a:tc>
+                  <a:txBody>
+                    <a:bodyPr/>
+                    <a:lstStyle/>
+                    <a:p>
+                      <a:pPr algn="ctr"/>
+                      <a:endParaRPr lang="en-US" dirty="0"/>
+                    </a:p>
+                  </a:txBody>
+                  <a:tcPr/>
+                </a:tc>
+              </a:tr>
+            </a:tbl>
+          </a:graphicData>
+        </a:graphic>
+      </p:graphicFrame>
+    </p:spTree>
+    <p:extLst>
+      <p:ext uri="{BB962C8B-B14F-4D97-AF65-F5344CB8AC3E}">
+        <p14:creationId xmlns:p14="http://schemas.microsoft.com/office/powerpoint/2010/main" val="3539051694"/>
+      </p:ext>
+    </p:extLst>
+  </p:cSld>
+  <p:clrMapOvr>
+    <a:masterClrMapping/>
+  </p:clrMapOvr>
+  <p:timing>
+    <p:tnLst>
+      <p:par>
+        <p:cTn id="1" dur="indefinite" restart="never" nodeType="tmRoot">
+          <p:childTnLst>
+            <p:seq concurrent="1" nextAc="seek">
+              <p:cTn id="2" dur="indefinite" nodeType="mainSeq">
+                <p:childTnLst>
+                  <p:par>
+                    <p:cTn id="3" fill="hold">
+                      <p:stCondLst>
+                        <p:cond delay="indefinite"/>
+                      </p:stCondLst>
+                      <p:childTnLst>
+                        <p:par>
+                          <p:cTn id="4" fill="hold">
+                            <p:stCondLst>
+                              <p:cond delay="0"/>
+                            </p:stCondLst>
+                            <p:childTnLst>
+                              <p:par>
+                                <p:cTn id="5" presetID="1" presetClass="entr" presetSubtype="0" fill="hold" nodeType="clickEffect">
+                                  <p:stCondLst>
+                                    <p:cond delay="0"/>
+                                  </p:stCondLst>
+                                  <p:childTnLst>
+                                    <p:set>
+                                      <p:cBhvr>
+                                        <p:cTn id="6" dur="1" fill="hold">
+                                          <p:stCondLst>
+                                            <p:cond delay="0"/>
+                                          </p:stCondLst>
+                                        </p:cTn>
+                                        <p:tgtEl>
+                                          <p:spTgt spid="8"/>
+                                        </p:tgtEl>
+                                        <p:attrNameLst>
+                                          <p:attrName>style.visibility</p:attrName>
+                                        </p:attrNameLst>
+                                      </p:cBhvr>
+                                      <p:to>
+                                        <p:strVal val="visible"/>
+                                      </p:to>
+                                    </p:set>
+                                  </p:childTnLst>
+                                </p:cTn>
+                              </p:par>
+                              <p:par>
+                                <p:cTn id="7" presetID="1" presetClass="entr" presetSubtype="0" fill="hold" nodeType="withEffect">
+                                  <p:stCondLst>
+                                    <p:cond delay="0"/>
+                                  </p:stCondLst>
+                                  <p:childTnLst>
+                                    <p:set>
+                                      <p:cBhvr>
+                                        <p:cTn id="8" dur="1" fill="hold">
+                                          <p:stCondLst>
+                                            <p:cond delay="0"/>
+                                          </p:stCondLst>
+                                        </p:cTn>
+                                        <p:tgtEl>
+                                          <p:spTgt spid="3">
+                                            <p:txEl>
+                                              <p:pRg st="10" end="10"/>
+                                            </p:txEl>
+                                          </p:spTgt>
+                                        </p:tgtEl>
+                                        <p:attrNameLst>
+                                          <p:attrName>style.visibility</p:attrName>
+                                        </p:attrNameLst>
+                                      </p:cBhvr>
+                                      <p:to>
+                                        <p:strVal val="visible"/>
+                                      </p:to>
+                                    </p:set>
+                                  </p:childTnLst>
+                                </p:cTn>
+                              </p:par>
+                              <p:par>
+                                <p:cTn id="9" presetID="1" presetClass="entr" presetSubtype="0" fill="hold" nodeType="withEffect">
+                                  <p:stCondLst>
+                                    <p:cond delay="0"/>
+                                  </p:stCondLst>
+                                  <p:childTnLst>
+                                    <p:set>
+                                      <p:cBhvr>
+                                        <p:cTn id="10" dur="1" fill="hold">
+                                          <p:stCondLst>
+                                            <p:cond delay="0"/>
+                                          </p:stCondLst>
+                                        </p:cTn>
+                                        <p:tgtEl>
+                                          <p:spTgt spid="3">
+                                            <p:txEl>
+                                              <p:pRg st="11" end="11"/>
+                                            </p:txEl>
+                                          </p:spTgt>
+                                        </p:tgtEl>
+                                        <p:attrNameLst>
+                                          <p:attrName>style.visibility</p:attrName>
+                                        </p:attrNameLst>
+                                      </p:cBhvr>
+                                      <p:to>
+                                        <p:strVal val="visible"/>
+                                      </p:to>
+                                    </p:set>
+                                  </p:childTnLst>
+                                </p:cTn>
+                              </p:par>
+                              <p:par>
+                                <p:cTn id="11" presetID="1" presetClass="entr" presetSubtype="0" fill="hold" nodeType="withEffect">
+                                  <p:stCondLst>
+                                    <p:cond delay="0"/>
+                                  </p:stCondLst>
+                                  <p:childTnLst>
+                                    <p:set>
+                                      <p:cBhvr>
+                                        <p:cTn id="12" dur="1" fill="hold">
+                                          <p:stCondLst>
+                                            <p:cond delay="0"/>
+                                          </p:stCondLst>
+                                        </p:cTn>
+                                        <p:tgtEl>
+                                          <p:spTgt spid="3">
+                                            <p:txEl>
+                                              <p:pRg st="13" end="13"/>
+                                            </p:txEl>
+                                          </p:spTgt>
+                                        </p:tgtEl>
+                                        <p:attrNameLst>
+                                          <p:attrName>style.visibility</p:attrName>
+                                        </p:attrNameLst>
+                                      </p:cBhvr>
+                                      <p:to>
+                                        <p:strVal val="visible"/>
+                                      </p:to>
+                                    </p:set>
+                                  </p:childTnLst>
+                                </p:cTn>
+                              </p:par>
+                              <p:par>
+                                <p:cTn id="13" presetID="1" presetClass="entr" presetSubtype="0" fill="hold" nodeType="withEffect">
+                                  <p:stCondLst>
+                                    <p:cond delay="0"/>
+                                  </p:stCondLst>
+                                  <p:childTnLst>
+                                    <p:set>
+                                      <p:cBhvr>
+                                        <p:cTn id="14" dur="1" fill="hold">
+                                          <p:stCondLst>
+                                            <p:cond delay="0"/>
+                                          </p:stCondLst>
+                                        </p:cTn>
+                                        <p:tgtEl>
+                                          <p:spTgt spid="3">
+                                            <p:txEl>
+                                              <p:pRg st="14" end="14"/>
+                                            </p:txEl>
+                                          </p:spTgt>
+                                        </p:tgtEl>
+                                        <p:attrNameLst>
+                                          <p:attrName>style.visibility</p:attrName>
+                                        </p:attrNameLst>
+                                      </p:cBhvr>
+                                      <p:to>
+                                        <p:strVal val="visible"/>
+                                      </p:to>
+                                    </p:set>
+                                  </p:childTnLst>
+                                </p:cTn>
+                              </p:par>
+                            </p:childTnLst>
+                          </p:cTn>
+                        </p:par>
+                      </p:childTnLst>
+                    </p:cTn>
+                  </p:par>
+                </p:childTnLst>
+              </p:cTn>
+              <p:prevCondLst>
+                <p:cond evt="onPrev" delay="0">
+                  <p:tgtEl>
+                    <p:sldTgt/>
+                  </p:tgtEl>
+                </p:cond>
+              </p:prevCondLst>
+              <p:nextCondLst>
+                <p:cond evt="onNext" delay="0">
+                  <p:tgtEl>
+                    <p:sldTgt/>
+                  </p:tgtEl>
+                </p:cond>
+              </p:nextCondLst>
+            </p:seq>
+          </p:childTnLst>
+        </p:cTn>
+      </p:par>
+    </p:tnLst>
+  </p:timing>
+</p:sld>
+</file>
+
+<file path=ppt/slides/slide12.xml><?xml version="1.0" encoding="utf-8"?>
 <p:sld xmlns:a="http://schemas.openxmlformats.org/drawingml/2006/main" xmlns:r="http://schemas.openxmlformats.org/officeDocument/2006/relationships" xmlns:p="http://schemas.openxmlformats.org/presentationml/2006/main">
   <p:cSld>
     <p:spTree>
@@ -7738,13 +9014,6 @@
               </a:rPr>
               <a:t>This is fine:</a:t>
             </a:r>
-            <a:endParaRPr lang="en-US" sz="1400" b="1" dirty="0" smtClean="0">
-              <a:solidFill>
-                <a:srgbClr val="00B050"/>
-              </a:solidFill>
-              <a:latin typeface="Courier New" pitchFamily="49" charset="0"/>
-              <a:cs typeface="Courier New" pitchFamily="49" charset="0"/>
-            </a:endParaRPr>
           </a:p>
           <a:p>
             <a:pPr marL="0" indent="0">
@@ -8662,17 +9931,7 @@
                 <a:latin typeface="Courier New" pitchFamily="49" charset="0"/>
                 <a:cs typeface="Courier New" pitchFamily="49" charset="0"/>
               </a:rPr>
-              <a:t>uint8_t</a:t>
-            </a:r>
-            <a:r>
-              <a:rPr lang="en-US" sz="1200" b="1" kern="0" dirty="0" smtClean="0">
-                <a:solidFill>
-                  <a:schemeClr val="accent2"/>
-                </a:solidFill>
-                <a:latin typeface="Courier New" pitchFamily="49" charset="0"/>
-                <a:cs typeface="Courier New" pitchFamily="49" charset="0"/>
-              </a:rPr>
-              <a:t> </a:t>
+              <a:t>uint8_t </a:t>
             </a:r>
             <a:r>
               <a:rPr lang="en-US" sz="1200" b="1" kern="0" dirty="0">
@@ -10728,6 +11987,30 @@
             <a:pPr marL="0" indent="0">
               <a:buNone/>
             </a:pPr>
+            <a:endParaRPr lang="en-US" sz="1400" dirty="0">
+              <a:solidFill>
+                <a:srgbClr val="00B050"/>
+              </a:solidFill>
+              <a:latin typeface="Courier New" pitchFamily="49" charset="0"/>
+              <a:cs typeface="Courier New" pitchFamily="49" charset="0"/>
+            </a:endParaRPr>
+          </a:p>
+          <a:p>
+            <a:pPr marL="0" indent="0">
+              <a:buNone/>
+            </a:pPr>
+            <a:endParaRPr lang="en-US" sz="1400" b="1" dirty="0" smtClean="0">
+              <a:solidFill>
+                <a:srgbClr val="00B050"/>
+              </a:solidFill>
+              <a:latin typeface="Courier New" pitchFamily="49" charset="0"/>
+              <a:cs typeface="Courier New" pitchFamily="49" charset="0"/>
+            </a:endParaRPr>
+          </a:p>
+          <a:p>
+            <a:pPr marL="0" indent="0">
+              <a:buNone/>
+            </a:pPr>
             <a:r>
               <a:rPr lang="en-US" sz="1400" b="1" dirty="0" smtClean="0">
                 <a:latin typeface="Courier New" pitchFamily="49" charset="0"/>
@@ -11193,23 +12476,23 @@
           <p:nvPr>
             <p:extLst>
               <p:ext uri="{D42A27DB-BD31-4B8C-83A1-F6EECF244321}">
-                <p14:modId xmlns:p14="http://schemas.microsoft.com/office/powerpoint/2010/main" val="3484574164"/>
+                <p14:modId xmlns:p14="http://schemas.microsoft.com/office/powerpoint/2010/main" val="3097061368"/>
               </p:ext>
             </p:extLst>
           </p:nvPr>
         </p:nvGraphicFramePr>
         <p:xfrm>
-          <a:off x="540144" y="1702641"/>
-          <a:ext cx="7772400" cy="1762321"/>
+          <a:off x="157655" y="2107523"/>
+          <a:ext cx="6660930" cy="1957771"/>
         </p:xfrm>
         <a:graphic>
           <a:graphicData uri="http://schemas.openxmlformats.org/drawingml/2006/table">
             <a:tbl>
               <a:tblPr/>
               <a:tblGrid>
-                <a:gridCol w="633202"/>
-                <a:gridCol w="1650775"/>
-                <a:gridCol w="5488423"/>
+                <a:gridCol w="542652"/>
+                <a:gridCol w="1414711"/>
+                <a:gridCol w="4703567"/>
               </a:tblGrid>
               <a:tr h="257256">
                 <a:tc>
@@ -12098,14 +13381,14 @@
           <p:nvPr>
             <p:extLst>
               <p:ext uri="{D42A27DB-BD31-4B8C-83A1-F6EECF244321}">
-                <p14:modId xmlns:p14="http://schemas.microsoft.com/office/powerpoint/2010/main" val="1996537497"/>
+                <p14:modId xmlns:p14="http://schemas.microsoft.com/office/powerpoint/2010/main" val="1095313634"/>
               </p:ext>
             </p:extLst>
           </p:nvPr>
         </p:nvGraphicFramePr>
         <p:xfrm>
-          <a:off x="6489237" y="4896197"/>
-          <a:ext cx="2032000" cy="1854200"/>
+          <a:off x="6922788" y="2968646"/>
+          <a:ext cx="2032000" cy="3337560"/>
         </p:xfrm>
         <a:graphic>
           <a:graphicData uri="http://schemas.openxmlformats.org/drawingml/2006/table">
@@ -12261,38 +13544,6 @@
                   <a:tcPr/>
                 </a:tc>
               </a:tr>
-            </a:tbl>
-          </a:graphicData>
-        </a:graphic>
-      </p:graphicFrame>
-      <p:graphicFrame>
-        <p:nvGraphicFramePr>
-          <p:cNvPr id="7" name="Table 6"/>
-          <p:cNvGraphicFramePr>
-            <a:graphicFrameLocks noGrp="1"/>
-          </p:cNvGraphicFramePr>
-          <p:nvPr>
-            <p:extLst>
-              <p:ext uri="{D42A27DB-BD31-4B8C-83A1-F6EECF244321}">
-                <p14:modId xmlns:p14="http://schemas.microsoft.com/office/powerpoint/2010/main" val="1894745717"/>
-              </p:ext>
-            </p:extLst>
-          </p:nvPr>
-        </p:nvGraphicFramePr>
-        <p:xfrm>
-          <a:off x="6313251" y="3593380"/>
-          <a:ext cx="2694649" cy="1112520"/>
-        </p:xfrm>
-        <a:graphic>
-          <a:graphicData uri="http://schemas.openxmlformats.org/drawingml/2006/table">
-            <a:tbl>
-              <a:tblPr firstRow="1" bandRow="1">
-                <a:tableStyleId>{21E4AEA4-8DFA-4A89-87EB-49C32662AFE0}</a:tableStyleId>
-              </a:tblPr>
-              <a:tblGrid>
-                <a:gridCol w="1003414"/>
-                <a:gridCol w="1691235"/>
-              </a:tblGrid>
               <a:tr h="370840">
                 <a:tc>
                   <a:txBody>
@@ -12301,8 +13552,8 @@
                     <a:p>
                       <a:pPr algn="ctr"/>
                       <a:r>
-                        <a:rPr lang="en-US" dirty="0" err="1" smtClean="0"/>
-                        <a:t>xPtr</a:t>
+                        <a:rPr lang="en-US" dirty="0" smtClean="0"/>
+                        <a:t>0x204</a:t>
                       </a:r>
                       <a:endParaRPr lang="en-US" dirty="0"/>
                     </a:p>
@@ -12314,6 +13565,7 @@
                     <a:bodyPr/>
                     <a:lstStyle/>
                     <a:p>
+                      <a:pPr algn="ctr"/>
                       <a:endParaRPr lang="en-US" dirty="0"/>
                     </a:p>
                   </a:txBody>
@@ -12329,7 +13581,7 @@
                       <a:pPr algn="ctr"/>
                       <a:r>
                         <a:rPr lang="en-US" dirty="0" smtClean="0"/>
-                        <a:t>x</a:t>
+                        <a:t>0x205</a:t>
                       </a:r>
                       <a:endParaRPr lang="en-US" dirty="0"/>
                     </a:p>
@@ -12341,7 +13593,8 @@
                     <a:bodyPr/>
                     <a:lstStyle/>
                     <a:p>
-                      <a:endParaRPr lang="en-US"/>
+                      <a:pPr algn="ctr"/>
+                      <a:endParaRPr lang="en-US" dirty="0"/>
                     </a:p>
                   </a:txBody>
                   <a:tcPr/>
@@ -12356,7 +13609,7 @@
                       <a:pPr algn="ctr"/>
                       <a:r>
                         <a:rPr lang="en-US" dirty="0" smtClean="0"/>
-                        <a:t>y</a:t>
+                        <a:t>0x206</a:t>
                       </a:r>
                       <a:endParaRPr lang="en-US" dirty="0"/>
                     </a:p>
@@ -12368,6 +13621,35 @@
                     <a:bodyPr/>
                     <a:lstStyle/>
                     <a:p>
+                      <a:pPr algn="ctr"/>
+                      <a:endParaRPr lang="en-US" dirty="0"/>
+                    </a:p>
+                  </a:txBody>
+                  <a:tcPr/>
+                </a:tc>
+              </a:tr>
+              <a:tr h="370840">
+                <a:tc>
+                  <a:txBody>
+                    <a:bodyPr/>
+                    <a:lstStyle/>
+                    <a:p>
+                      <a:pPr algn="ctr"/>
+                      <a:r>
+                        <a:rPr lang="en-US" dirty="0" smtClean="0"/>
+                        <a:t>0x207</a:t>
+                      </a:r>
+                      <a:endParaRPr lang="en-US" dirty="0"/>
+                    </a:p>
+                  </a:txBody>
+                  <a:tcPr/>
+                </a:tc>
+                <a:tc>
+                  <a:txBody>
+                    <a:bodyPr/>
+                    <a:lstStyle/>
+                    <a:p>
+                      <a:pPr algn="ctr"/>
                       <a:endParaRPr lang="en-US" dirty="0"/>
                     </a:p>
                   </a:txBody>
@@ -12474,6 +13756,26 @@
               <a:buNone/>
             </a:pPr>
             <a:r>
+              <a:rPr lang="en-US" sz="1400" dirty="0">
+                <a:solidFill>
+                  <a:schemeClr val="accent2"/>
+                </a:solidFill>
+                <a:latin typeface="Courier New" pitchFamily="49" charset="0"/>
+                <a:cs typeface="Courier New" pitchFamily="49" charset="0"/>
+              </a:rPr>
+              <a:t>u</a:t>
+            </a:r>
+            <a:r>
+              <a:rPr lang="en-US" sz="1400" b="1" dirty="0" smtClean="0">
+                <a:solidFill>
+                  <a:schemeClr val="accent2"/>
+                </a:solidFill>
+                <a:latin typeface="Courier New" pitchFamily="49" charset="0"/>
+                <a:cs typeface="Courier New" pitchFamily="49" charset="0"/>
+              </a:rPr>
+              <a:t>int8_t x </a:t>
+            </a:r>
+            <a:r>
               <a:rPr lang="en-US" sz="1400" b="1" dirty="0">
                 <a:solidFill>
                   <a:schemeClr val="accent2"/>
@@ -12481,7 +13783,17 @@
                 <a:latin typeface="Courier New" pitchFamily="49" charset="0"/>
                 <a:cs typeface="Courier New" pitchFamily="49" charset="0"/>
               </a:rPr>
-              <a:t>unsigned char x = 0x25;                 </a:t>
+              <a:t>= 0x25;      </a:t>
+            </a:r>
+            <a:r>
+              <a:rPr lang="en-US" sz="1400" b="1" dirty="0" smtClean="0">
+                <a:solidFill>
+                  <a:srgbClr val="00B050"/>
+                </a:solidFill>
+                <a:latin typeface="Courier New" pitchFamily="49" charset="0"/>
+                <a:cs typeface="Courier New" pitchFamily="49" charset="0"/>
+              </a:rPr>
+              <a:t>// </a:t>
             </a:r>
             <a:r>
               <a:rPr lang="en-US" sz="1400" b="1" dirty="0">
@@ -12491,7 +13803,7 @@
                 <a:latin typeface="Courier New" pitchFamily="49" charset="0"/>
                 <a:cs typeface="Courier New" pitchFamily="49" charset="0"/>
               </a:rPr>
-              <a:t>// address of x is 0x1000</a:t>
+              <a:t>address of x is 0x1000</a:t>
             </a:r>
           </a:p>
           <a:p>
@@ -12499,6 +13811,26 @@
               <a:buNone/>
             </a:pPr>
             <a:r>
+              <a:rPr lang="en-US" sz="1400" dirty="0">
+                <a:solidFill>
+                  <a:schemeClr val="accent2"/>
+                </a:solidFill>
+                <a:latin typeface="Courier New" pitchFamily="49" charset="0"/>
+                <a:cs typeface="Courier New" pitchFamily="49" charset="0"/>
+              </a:rPr>
+              <a:t>u</a:t>
+            </a:r>
+            <a:r>
+              <a:rPr lang="en-US" sz="1400" b="1" dirty="0" smtClean="0">
+                <a:solidFill>
+                  <a:schemeClr val="accent2"/>
+                </a:solidFill>
+                <a:latin typeface="Courier New" pitchFamily="49" charset="0"/>
+                <a:cs typeface="Courier New" pitchFamily="49" charset="0"/>
+              </a:rPr>
+              <a:t>int16_t y </a:t>
+            </a:r>
+            <a:r>
               <a:rPr lang="en-US" sz="1400" b="1" dirty="0">
                 <a:solidFill>
                   <a:schemeClr val="accent2"/>
@@ -12506,7 +13838,17 @@
                 <a:latin typeface="Courier New" pitchFamily="49" charset="0"/>
                 <a:cs typeface="Courier New" pitchFamily="49" charset="0"/>
               </a:rPr>
-              <a:t>unsigned int y = 0x1234;                </a:t>
+              <a:t>= 0x1234;   </a:t>
+            </a:r>
+            <a:r>
+              <a:rPr lang="en-US" sz="1400" b="1" dirty="0" smtClean="0">
+                <a:solidFill>
+                  <a:srgbClr val="00B050"/>
+                </a:solidFill>
+                <a:latin typeface="Courier New" pitchFamily="49" charset="0"/>
+                <a:cs typeface="Courier New" pitchFamily="49" charset="0"/>
+              </a:rPr>
+              <a:t>// </a:t>
             </a:r>
             <a:r>
               <a:rPr lang="en-US" sz="1400" b="1" dirty="0">
@@ -12516,7 +13858,7 @@
                 <a:latin typeface="Courier New" pitchFamily="49" charset="0"/>
                 <a:cs typeface="Courier New" pitchFamily="49" charset="0"/>
               </a:rPr>
-              <a:t>// address of y is 0x1001 - 0x1002</a:t>
+              <a:t>address of y is 0x1001 - 0x1002</a:t>
             </a:r>
           </a:p>
           <a:p>
@@ -12524,6 +13866,26 @@
               <a:buNone/>
             </a:pPr>
             <a:r>
+              <a:rPr lang="en-US" sz="1400" dirty="0">
+                <a:solidFill>
+                  <a:schemeClr val="accent2"/>
+                </a:solidFill>
+                <a:latin typeface="Courier New" pitchFamily="49" charset="0"/>
+                <a:cs typeface="Courier New" pitchFamily="49" charset="0"/>
+              </a:rPr>
+              <a:t>uint8_t * </a:t>
+            </a:r>
+            <a:r>
+              <a:rPr lang="en-US" sz="1400" b="1" dirty="0" err="1">
+                <a:solidFill>
+                  <a:schemeClr val="accent2"/>
+                </a:solidFill>
+                <a:latin typeface="Courier New" pitchFamily="49" charset="0"/>
+                <a:cs typeface="Courier New" pitchFamily="49" charset="0"/>
+              </a:rPr>
+              <a:t>xPtr</a:t>
+            </a:r>
+            <a:r>
               <a:rPr lang="en-US" sz="1400" b="1" dirty="0">
                 <a:solidFill>
                   <a:schemeClr val="accent2"/>
@@ -12531,12 +13893,32 @@
                 <a:latin typeface="Courier New" pitchFamily="49" charset="0"/>
                 <a:cs typeface="Courier New" pitchFamily="49" charset="0"/>
               </a:rPr>
-              <a:t>unsigned char* </a:t>
+              <a:t> = &amp;x;   </a:t>
+            </a:r>
+            <a:r>
+              <a:rPr lang="en-US" sz="1400" b="1" dirty="0" smtClean="0">
+                <a:solidFill>
+                  <a:srgbClr val="00B050"/>
+                </a:solidFill>
+                <a:latin typeface="Courier New" pitchFamily="49" charset="0"/>
+                <a:cs typeface="Courier New" pitchFamily="49" charset="0"/>
+              </a:rPr>
+              <a:t>// </a:t>
+            </a:r>
+            <a:r>
+              <a:rPr lang="en-US" sz="1400" b="1" dirty="0">
+                <a:solidFill>
+                  <a:srgbClr val="00B050"/>
+                </a:solidFill>
+                <a:latin typeface="Courier New" pitchFamily="49" charset="0"/>
+                <a:cs typeface="Courier New" pitchFamily="49" charset="0"/>
+              </a:rPr>
+              <a:t>address of </a:t>
             </a:r>
             <a:r>
               <a:rPr lang="en-US" sz="1400" b="1" dirty="0" err="1">
                 <a:solidFill>
-                  <a:schemeClr val="accent2"/>
+                  <a:srgbClr val="00B050"/>
                 </a:solidFill>
                 <a:latin typeface="Courier New" pitchFamily="49" charset="0"/>
                 <a:cs typeface="Courier New" pitchFamily="49" charset="0"/>
@@ -12546,41 +13928,11 @@
             <a:r>
               <a:rPr lang="en-US" sz="1400" b="1" dirty="0">
                 <a:solidFill>
-                  <a:schemeClr val="accent2"/>
-                </a:solidFill>
-                <a:latin typeface="Courier New" pitchFamily="49" charset="0"/>
-                <a:cs typeface="Courier New" pitchFamily="49" charset="0"/>
-              </a:rPr>
-              <a:t> = &amp;x;               </a:t>
-            </a:r>
-            <a:r>
-              <a:rPr lang="en-US" sz="1400" b="1" dirty="0">
-                <a:solidFill>
                   <a:srgbClr val="00B050"/>
                 </a:solidFill>
                 <a:latin typeface="Courier New" pitchFamily="49" charset="0"/>
                 <a:cs typeface="Courier New" pitchFamily="49" charset="0"/>
               </a:rPr>
-              <a:t>// address of </a:t>
-            </a:r>
-            <a:r>
-              <a:rPr lang="en-US" sz="1400" b="1" dirty="0" err="1">
-                <a:solidFill>
-                  <a:srgbClr val="00B050"/>
-                </a:solidFill>
-                <a:latin typeface="Courier New" pitchFamily="49" charset="0"/>
-                <a:cs typeface="Courier New" pitchFamily="49" charset="0"/>
-              </a:rPr>
-              <a:t>xPtr</a:t>
-            </a:r>
-            <a:r>
-              <a:rPr lang="en-US" sz="1400" b="1" dirty="0">
-                <a:solidFill>
-                  <a:srgbClr val="00B050"/>
-                </a:solidFill>
-                <a:latin typeface="Courier New" pitchFamily="49" charset="0"/>
-                <a:cs typeface="Courier New" pitchFamily="49" charset="0"/>
-              </a:rPr>
               <a:t> is 0x1003 - 0x1004</a:t>
             </a:r>
           </a:p>
@@ -12589,6 +13941,26 @@
               <a:buNone/>
             </a:pPr>
             <a:r>
+              <a:rPr lang="en-US" sz="1400" dirty="0">
+                <a:solidFill>
+                  <a:schemeClr val="accent2"/>
+                </a:solidFill>
+                <a:latin typeface="Courier New" pitchFamily="49" charset="0"/>
+                <a:cs typeface="Courier New" pitchFamily="49" charset="0"/>
+              </a:rPr>
+              <a:t>uint8_t * </a:t>
+            </a:r>
+            <a:r>
+              <a:rPr lang="en-US" sz="1400" b="1" dirty="0" err="1" smtClean="0">
+                <a:solidFill>
+                  <a:schemeClr val="accent2"/>
+                </a:solidFill>
+                <a:latin typeface="Courier New" pitchFamily="49" charset="0"/>
+                <a:cs typeface="Courier New" pitchFamily="49" charset="0"/>
+              </a:rPr>
+              <a:t>yPtr</a:t>
+            </a:r>
+            <a:r>
               <a:rPr lang="en-US" sz="1400" b="1" dirty="0" smtClean="0">
                 <a:solidFill>
                   <a:schemeClr val="accent2"/>
@@ -12596,27 +13968,7 @@
                 <a:latin typeface="Courier New" pitchFamily="49" charset="0"/>
                 <a:cs typeface="Courier New" pitchFamily="49" charset="0"/>
               </a:rPr>
-              <a:t>unsigned char* </a:t>
-            </a:r>
-            <a:r>
-              <a:rPr lang="en-US" sz="1400" b="1" dirty="0" err="1" smtClean="0">
-                <a:solidFill>
-                  <a:schemeClr val="accent2"/>
-                </a:solidFill>
-                <a:latin typeface="Courier New" pitchFamily="49" charset="0"/>
-                <a:cs typeface="Courier New" pitchFamily="49" charset="0"/>
-              </a:rPr>
-              <a:t>yPtr</a:t>
-            </a:r>
-            <a:r>
-              <a:rPr lang="en-US" sz="1400" b="1" dirty="0" smtClean="0">
-                <a:solidFill>
-                  <a:schemeClr val="accent2"/>
-                </a:solidFill>
-                <a:latin typeface="Courier New" pitchFamily="49" charset="0"/>
-                <a:cs typeface="Courier New" pitchFamily="49" charset="0"/>
-              </a:rPr>
-              <a:t> = &amp;y;               </a:t>
+              <a:t> = &amp;y;   </a:t>
             </a:r>
             <a:r>
               <a:rPr lang="en-US" sz="1400" b="1" dirty="0" smtClean="0">
@@ -14415,6 +15767,26 @@
               <a:buNone/>
             </a:pPr>
             <a:r>
+              <a:rPr lang="en-US" sz="1400" dirty="0">
+                <a:solidFill>
+                  <a:schemeClr val="accent2"/>
+                </a:solidFill>
+                <a:latin typeface="Courier New" pitchFamily="49" charset="0"/>
+                <a:cs typeface="Courier New" pitchFamily="49" charset="0"/>
+              </a:rPr>
+              <a:t>u</a:t>
+            </a:r>
+            <a:r>
+              <a:rPr lang="en-US" sz="1400" b="1" dirty="0" smtClean="0">
+                <a:solidFill>
+                  <a:schemeClr val="accent2"/>
+                </a:solidFill>
+                <a:latin typeface="Courier New" pitchFamily="49" charset="0"/>
+                <a:cs typeface="Courier New" pitchFamily="49" charset="0"/>
+              </a:rPr>
+              <a:t>int16_t a[3</a:t>
+            </a:r>
+            <a:r>
               <a:rPr lang="en-US" sz="1400" b="1" dirty="0">
                 <a:solidFill>
                   <a:schemeClr val="accent2"/>
@@ -14422,7 +15794,7 @@
                 <a:latin typeface="Courier New" pitchFamily="49" charset="0"/>
                 <a:cs typeface="Courier New" pitchFamily="49" charset="0"/>
               </a:rPr>
-              <a:t>unsigned int a[3]; </a:t>
+              <a:t>]; </a:t>
             </a:r>
             <a:r>
               <a:rPr lang="en-US" sz="1400" b="1" dirty="0" smtClean="0">
@@ -14477,7 +15849,7 @@
                 <a:latin typeface="Courier New" pitchFamily="49" charset="0"/>
                 <a:cs typeface="Courier New" pitchFamily="49" charset="0"/>
               </a:rPr>
-              <a:t>                  // address </a:t>
+              <a:t>              // address </a:t>
             </a:r>
             <a:r>
               <a:rPr lang="en-US" sz="1400" b="1" dirty="0">
@@ -14519,7 +15891,7 @@
                 <a:latin typeface="Courier New" pitchFamily="49" charset="0"/>
                 <a:cs typeface="Courier New" pitchFamily="49" charset="0"/>
               </a:rPr>
-              <a:t>                  // address </a:t>
+              <a:t>              // address </a:t>
             </a:r>
             <a:r>
               <a:rPr lang="en-US" sz="1400" b="1" dirty="0">
@@ -14537,14 +15909,89 @@
               <a:buNone/>
             </a:pPr>
             <a:r>
+              <a:rPr lang="en-US" sz="1400" dirty="0">
+                <a:solidFill>
+                  <a:schemeClr val="accent2"/>
+                </a:solidFill>
+                <a:latin typeface="Courier New" pitchFamily="49" charset="0"/>
+                <a:cs typeface="Courier New" pitchFamily="49" charset="0"/>
+              </a:rPr>
+              <a:t>uint16_t * </a:t>
+            </a:r>
+            <a:r>
+              <a:rPr lang="en-US" sz="1400" b="1" dirty="0" err="1" smtClean="0">
+                <a:solidFill>
+                  <a:schemeClr val="accent2"/>
+                </a:solidFill>
+                <a:latin typeface="Courier New" pitchFamily="49" charset="0"/>
+                <a:cs typeface="Courier New" pitchFamily="49" charset="0"/>
+              </a:rPr>
+              <a:t>myPtr</a:t>
+            </a:r>
+            <a:r>
+              <a:rPr lang="en-US" sz="1400" b="1" dirty="0" smtClean="0">
+                <a:solidFill>
+                  <a:schemeClr val="accent2"/>
+                </a:solidFill>
+                <a:latin typeface="Courier New" pitchFamily="49" charset="0"/>
+                <a:cs typeface="Courier New" pitchFamily="49" charset="0"/>
+              </a:rPr>
+              <a:t>;  </a:t>
+            </a:r>
+            <a:r>
+              <a:rPr lang="en-US" sz="1400" b="1" dirty="0" smtClean="0">
+                <a:solidFill>
+                  <a:srgbClr val="00B050"/>
+                </a:solidFill>
+                <a:latin typeface="Courier New" pitchFamily="49" charset="0"/>
+                <a:cs typeface="Courier New" pitchFamily="49" charset="0"/>
+              </a:rPr>
+              <a:t>// </a:t>
+            </a:r>
+            <a:r>
+              <a:rPr lang="en-US" sz="1400" b="1" dirty="0" err="1" smtClean="0">
+                <a:solidFill>
+                  <a:srgbClr val="00B050"/>
+                </a:solidFill>
+                <a:latin typeface="Courier New" pitchFamily="49" charset="0"/>
+                <a:cs typeface="Courier New" pitchFamily="49" charset="0"/>
+              </a:rPr>
+              <a:t>myPtr</a:t>
+            </a:r>
+            <a:r>
+              <a:rPr lang="en-US" sz="1400" b="1" dirty="0" smtClean="0">
+                <a:solidFill>
+                  <a:srgbClr val="00B050"/>
+                </a:solidFill>
+                <a:latin typeface="Courier New" pitchFamily="49" charset="0"/>
+                <a:cs typeface="Courier New" pitchFamily="49" charset="0"/>
+              </a:rPr>
+              <a:t> is </a:t>
+            </a:r>
+            <a:r>
               <a:rPr lang="en-US" sz="1400" b="1" dirty="0">
                 <a:solidFill>
-                  <a:schemeClr val="accent2"/>
-                </a:solidFill>
-                <a:latin typeface="Courier New" pitchFamily="49" charset="0"/>
-                <a:cs typeface="Courier New" pitchFamily="49" charset="0"/>
-              </a:rPr>
-              <a:t>unsigned </a:t>
+                  <a:srgbClr val="00B050"/>
+                </a:solidFill>
+                <a:latin typeface="Courier New" pitchFamily="49" charset="0"/>
+                <a:cs typeface="Courier New" pitchFamily="49" charset="0"/>
+              </a:rPr>
+              <a:t>0x1006</a:t>
+            </a:r>
+          </a:p>
+          <a:p>
+            <a:pPr marL="0" indent="0">
+              <a:buNone/>
+            </a:pPr>
+            <a:r>
+              <a:rPr lang="en-US" sz="1400" dirty="0">
+                <a:solidFill>
+                  <a:schemeClr val="accent2"/>
+                </a:solidFill>
+                <a:latin typeface="Courier New" pitchFamily="49" charset="0"/>
+                <a:cs typeface="Courier New" pitchFamily="49" charset="0"/>
+              </a:rPr>
+              <a:t>uint16_t x</a:t>
             </a:r>
             <a:r>
               <a:rPr lang="en-US" sz="1400" b="1" dirty="0" smtClean="0">
@@ -14554,92 +16001,7 @@
                 <a:latin typeface="Courier New" pitchFamily="49" charset="0"/>
                 <a:cs typeface="Courier New" pitchFamily="49" charset="0"/>
               </a:rPr>
-              <a:t>int* </a:t>
-            </a:r>
-            <a:r>
-              <a:rPr lang="en-US" sz="1400" b="1" dirty="0" err="1" smtClean="0">
-                <a:solidFill>
-                  <a:schemeClr val="accent2"/>
-                </a:solidFill>
-                <a:latin typeface="Courier New" pitchFamily="49" charset="0"/>
-                <a:cs typeface="Courier New" pitchFamily="49" charset="0"/>
-              </a:rPr>
-              <a:t>myPtr</a:t>
-            </a:r>
-            <a:r>
-              <a:rPr lang="en-US" sz="1400" b="1" dirty="0" smtClean="0">
-                <a:solidFill>
-                  <a:schemeClr val="accent2"/>
-                </a:solidFill>
-                <a:latin typeface="Courier New" pitchFamily="49" charset="0"/>
-                <a:cs typeface="Courier New" pitchFamily="49" charset="0"/>
-              </a:rPr>
-              <a:t>;  </a:t>
-            </a:r>
-            <a:r>
-              <a:rPr lang="en-US" sz="1400" b="1" dirty="0" smtClean="0">
-                <a:solidFill>
-                  <a:srgbClr val="00B050"/>
-                </a:solidFill>
-                <a:latin typeface="Courier New" pitchFamily="49" charset="0"/>
-                <a:cs typeface="Courier New" pitchFamily="49" charset="0"/>
-              </a:rPr>
-              <a:t>// </a:t>
-            </a:r>
-            <a:r>
-              <a:rPr lang="en-US" sz="1400" b="1" dirty="0" err="1" smtClean="0">
-                <a:solidFill>
-                  <a:srgbClr val="00B050"/>
-                </a:solidFill>
-                <a:latin typeface="Courier New" pitchFamily="49" charset="0"/>
-                <a:cs typeface="Courier New" pitchFamily="49" charset="0"/>
-              </a:rPr>
-              <a:t>myPtr</a:t>
-            </a:r>
-            <a:r>
-              <a:rPr lang="en-US" sz="1400" b="1" dirty="0" smtClean="0">
-                <a:solidFill>
-                  <a:srgbClr val="00B050"/>
-                </a:solidFill>
-                <a:latin typeface="Courier New" pitchFamily="49" charset="0"/>
-                <a:cs typeface="Courier New" pitchFamily="49" charset="0"/>
-              </a:rPr>
-              <a:t> is </a:t>
-            </a:r>
-            <a:r>
-              <a:rPr lang="en-US" sz="1400" b="1" dirty="0">
-                <a:solidFill>
-                  <a:srgbClr val="00B050"/>
-                </a:solidFill>
-                <a:latin typeface="Courier New" pitchFamily="49" charset="0"/>
-                <a:cs typeface="Courier New" pitchFamily="49" charset="0"/>
-              </a:rPr>
-              <a:t>0x1006</a:t>
-            </a:r>
-          </a:p>
-          <a:p>
-            <a:pPr marL="0" indent="0">
-              <a:buNone/>
-            </a:pPr>
-            <a:r>
-              <a:rPr lang="en-US" sz="1400" b="1" dirty="0">
-                <a:solidFill>
-                  <a:schemeClr val="accent2"/>
-                </a:solidFill>
-                <a:latin typeface="Courier New" pitchFamily="49" charset="0"/>
-                <a:cs typeface="Courier New" pitchFamily="49" charset="0"/>
-              </a:rPr>
-              <a:t>u</a:t>
-            </a:r>
-            <a:r>
-              <a:rPr lang="en-US" sz="1400" b="1" dirty="0" smtClean="0">
-                <a:solidFill>
-                  <a:schemeClr val="accent2"/>
-                </a:solidFill>
-                <a:latin typeface="Courier New" pitchFamily="49" charset="0"/>
-                <a:cs typeface="Courier New" pitchFamily="49" charset="0"/>
-              </a:rPr>
-              <a:t>nsigned int x;</a:t>
+              <a:t>;</a:t>
             </a:r>
           </a:p>
           <a:p>
@@ -14933,11 +16295,15 @@
             <a:graphicFrameLocks noGrp="1"/>
           </p:cNvGraphicFramePr>
           <p:nvPr>
-            <p:extLst/>
+            <p:extLst>
+              <p:ext uri="{D42A27DB-BD31-4B8C-83A1-F6EECF244321}">
+                <p14:modId xmlns:p14="http://schemas.microsoft.com/office/powerpoint/2010/main" val="3204870598"/>
+              </p:ext>
+            </p:extLst>
           </p:nvPr>
         </p:nvGraphicFramePr>
         <p:xfrm>
-          <a:off x="6753571" y="2140258"/>
+          <a:off x="6668814" y="2116610"/>
           <a:ext cx="2032000" cy="4079240"/>
         </p:xfrm>
         <a:graphic>
